--- a/Group8.pptx
+++ b/Group8.pptx
@@ -1,11 +1,20 @@
 
 <file path=ppt/presentation.xml><?xml version="1.0" encoding="utf-8"?>
-<p:presentation xmlns:a="http://schemas.openxmlformats.org/drawingml/2006/main" xmlns:r="http://schemas.openxmlformats.org/officeDocument/2006/relationships" xmlns:p="http://schemas.openxmlformats.org/presentationml/2006/main" autoCompressPictures="0">
+<p:presentation xmlns:a="http://schemas.openxmlformats.org/drawingml/2006/main" xmlns:r="http://schemas.openxmlformats.org/officeDocument/2006/relationships" xmlns:p="http://schemas.openxmlformats.org/presentationml/2006/main" saveSubsetFonts="1" autoCompressPictures="0">
   <p:sldMasterIdLst>
-    <p:sldMasterId id="2147483710" r:id="rId1"/>
+    <p:sldMasterId id="2147483714" r:id="rId1"/>
   </p:sldMasterIdLst>
   <p:sldIdLst>
-    <p:sldId id="256" r:id="rId2"/>
+    <p:sldId id="257" r:id="rId2"/>
+    <p:sldId id="259" r:id="rId3"/>
+    <p:sldId id="260" r:id="rId4"/>
+    <p:sldId id="261" r:id="rId5"/>
+    <p:sldId id="262" r:id="rId6"/>
+    <p:sldId id="263" r:id="rId7"/>
+    <p:sldId id="264" r:id="rId8"/>
+    <p:sldId id="265" r:id="rId9"/>
+    <p:sldId id="267" r:id="rId10"/>
+    <p:sldId id="266" r:id="rId11"/>
   </p:sldIdLst>
   <p:sldSz cx="12192000" cy="6858000"/>
   <p:notesSz cx="6858000" cy="9144000"/>
@@ -104,6 +113,11 @@
       </a:defRPr>
     </a:lvl9pPr>
   </p:defaultTextStyle>
+  <p:extLst>
+    <p:ext uri="{EFAFB233-063F-42B5-8137-9DF3F51BA10A}">
+      <p15:sldGuideLst xmlns:p15="http://schemas.microsoft.com/office/powerpoint/2012/main"/>
+    </p:ext>
+  </p:extLst>
 </p:presentation>
 </file>
 
@@ -288,12 +302,11 @@
           <a:bodyPr/>
           <a:lstStyle/>
           <a:p>
-            <a:fld id="{5923F103-BC34-4FE4-A40E-EDDEECFDA5D0}" type="datetimeFigureOut">
+            <a:fld id="{1413064E-06D1-CA46-8C36-21FA595EAC52}" type="datetimeFigureOut">
               <a:rPr lang="en-US" smtClean="0"/>
-              <a:pPr/>
-              <a:t>4/6/19</a:t>
+              <a:t>4/6/2019</a:t>
             </a:fld>
-            <a:endParaRPr lang="en-US" dirty="0"/>
+            <a:endParaRPr lang="en-US"/>
           </a:p>
         </p:txBody>
       </p:sp>
@@ -312,7 +325,7 @@
           <a:bodyPr/>
           <a:lstStyle/>
           <a:p>
-            <a:endParaRPr lang="en-US" dirty="0"/>
+            <a:endParaRPr lang="en-US"/>
           </a:p>
         </p:txBody>
       </p:sp>
@@ -331,19 +344,18 @@
           <a:bodyPr/>
           <a:lstStyle/>
           <a:p>
-            <a:fld id="{D57F1E4F-1CFF-5643-939E-217C01CDF565}" type="slidenum">
+            <a:fld id="{2CC1B71A-4642-774B-8A0D-B385C06E1B70}" type="slidenum">
               <a:rPr lang="en-US" smtClean="0"/>
-              <a:pPr/>
               <a:t>‹#›</a:t>
             </a:fld>
-            <a:endParaRPr lang="en-US" dirty="0"/>
+            <a:endParaRPr lang="en-US"/>
           </a:p>
         </p:txBody>
       </p:sp>
     </p:spTree>
     <p:extLst>
       <p:ext uri="{BB962C8B-B14F-4D97-AF65-F5344CB8AC3E}">
-        <p14:creationId xmlns:p14="http://schemas.microsoft.com/office/powerpoint/2010/main" val="1744251926"/>
+        <p14:creationId xmlns:p14="http://schemas.microsoft.com/office/powerpoint/2010/main" val="831761091"/>
       </p:ext>
     </p:extLst>
   </p:cSld>
@@ -565,11 +577,11 @@
           <a:bodyPr/>
           <a:lstStyle/>
           <a:p>
-            <a:fld id="{923A1CC3-2375-41D4-9E03-427CAF2A4C1A}" type="datetimeFigureOut">
+            <a:fld id="{1413064E-06D1-CA46-8C36-21FA595EAC52}" type="datetimeFigureOut">
               <a:rPr lang="en-US" smtClean="0"/>
-              <a:t>4/6/19</a:t>
+              <a:t>4/6/2019</a:t>
             </a:fld>
-            <a:endParaRPr lang="en-US" dirty="0"/>
+            <a:endParaRPr lang="en-US"/>
           </a:p>
         </p:txBody>
       </p:sp>
@@ -588,7 +600,7 @@
           <a:bodyPr/>
           <a:lstStyle/>
           <a:p>
-            <a:endParaRPr lang="en-US" dirty="0"/>
+            <a:endParaRPr lang="en-US"/>
           </a:p>
         </p:txBody>
       </p:sp>
@@ -607,19 +619,18 @@
           <a:bodyPr/>
           <a:lstStyle/>
           <a:p>
-            <a:fld id="{D57F1E4F-1CFF-5643-939E-217C01CDF565}" type="slidenum">
+            <a:fld id="{2CC1B71A-4642-774B-8A0D-B385C06E1B70}" type="slidenum">
               <a:rPr lang="en-US" smtClean="0"/>
-              <a:pPr/>
               <a:t>‹#›</a:t>
             </a:fld>
-            <a:endParaRPr lang="en-US" dirty="0"/>
+            <a:endParaRPr lang="en-US"/>
           </a:p>
         </p:txBody>
       </p:sp>
     </p:spTree>
     <p:extLst>
       <p:ext uri="{BB962C8B-B14F-4D97-AF65-F5344CB8AC3E}">
-        <p14:creationId xmlns:p14="http://schemas.microsoft.com/office/powerpoint/2010/main" val="2181908076"/>
+        <p14:creationId xmlns:p14="http://schemas.microsoft.com/office/powerpoint/2010/main" val="1086387034"/>
       </p:ext>
     </p:extLst>
   </p:cSld>
@@ -760,11 +771,11 @@
           <a:bodyPr/>
           <a:lstStyle/>
           <a:p>
-            <a:fld id="{AFF16868-8199-4C2C-A5B1-63AEE139F88E}" type="datetimeFigureOut">
+            <a:fld id="{1413064E-06D1-CA46-8C36-21FA595EAC52}" type="datetimeFigureOut">
               <a:rPr lang="en-US" smtClean="0"/>
-              <a:t>4/6/19</a:t>
+              <a:t>4/6/2019</a:t>
             </a:fld>
-            <a:endParaRPr lang="en-US" dirty="0"/>
+            <a:endParaRPr lang="en-US"/>
           </a:p>
         </p:txBody>
       </p:sp>
@@ -783,7 +794,7 @@
           <a:bodyPr/>
           <a:lstStyle/>
           <a:p>
-            <a:endParaRPr lang="en-US" dirty="0"/>
+            <a:endParaRPr lang="en-US"/>
           </a:p>
         </p:txBody>
       </p:sp>
@@ -802,19 +813,18 @@
           <a:bodyPr/>
           <a:lstStyle/>
           <a:p>
-            <a:fld id="{D57F1E4F-1CFF-5643-939E-217C01CDF565}" type="slidenum">
+            <a:fld id="{2CC1B71A-4642-774B-8A0D-B385C06E1B70}" type="slidenum">
               <a:rPr lang="en-US" smtClean="0"/>
-              <a:pPr/>
               <a:t>‹#›</a:t>
             </a:fld>
-            <a:endParaRPr lang="en-US" dirty="0"/>
+            <a:endParaRPr lang="en-US"/>
           </a:p>
         </p:txBody>
       </p:sp>
     </p:spTree>
     <p:extLst>
       <p:ext uri="{BB962C8B-B14F-4D97-AF65-F5344CB8AC3E}">
-        <p14:creationId xmlns:p14="http://schemas.microsoft.com/office/powerpoint/2010/main" val="238094707"/>
+        <p14:creationId xmlns:p14="http://schemas.microsoft.com/office/powerpoint/2010/main" val="2568654904"/>
       </p:ext>
     </p:extLst>
   </p:cSld>
@@ -1029,11 +1039,11 @@
           <a:bodyPr/>
           <a:lstStyle/>
           <a:p>
-            <a:fld id="{2BE451C3-0FF4-47C4-B829-773ADF60F88C}" type="datetimeFigureOut">
+            <a:fld id="{1413064E-06D1-CA46-8C36-21FA595EAC52}" type="datetimeFigureOut">
               <a:rPr lang="en-US" smtClean="0"/>
-              <a:t>4/6/19</a:t>
+              <a:t>4/6/2019</a:t>
             </a:fld>
-            <a:endParaRPr lang="en-US" dirty="0"/>
+            <a:endParaRPr lang="en-US"/>
           </a:p>
         </p:txBody>
       </p:sp>
@@ -1052,7 +1062,7 @@
           <a:bodyPr/>
           <a:lstStyle/>
           <a:p>
-            <a:endParaRPr lang="en-US" dirty="0"/>
+            <a:endParaRPr lang="en-US"/>
           </a:p>
         </p:txBody>
       </p:sp>
@@ -1071,12 +1081,11 @@
           <a:bodyPr/>
           <a:lstStyle/>
           <a:p>
-            <a:fld id="{D57F1E4F-1CFF-5643-939E-217C01CDF565}" type="slidenum">
+            <a:fld id="{2CC1B71A-4642-774B-8A0D-B385C06E1B70}" type="slidenum">
               <a:rPr lang="en-US" smtClean="0"/>
-              <a:pPr/>
               <a:t>‹#›</a:t>
             </a:fld>
-            <a:endParaRPr lang="en-US" dirty="0"/>
+            <a:endParaRPr lang="en-US"/>
           </a:p>
         </p:txBody>
       </p:sp>
@@ -1171,14 +1180,13 @@
     </p:spTree>
     <p:extLst>
       <p:ext uri="{BB962C8B-B14F-4D97-AF65-F5344CB8AC3E}">
-        <p14:creationId xmlns:p14="http://schemas.microsoft.com/office/powerpoint/2010/main" val="1055740410"/>
+        <p14:creationId xmlns:p14="http://schemas.microsoft.com/office/powerpoint/2010/main" val="3160060293"/>
       </p:ext>
     </p:extLst>
   </p:cSld>
   <p:clrMapOvr>
     <a:masterClrMapping/>
   </p:clrMapOvr>
-  <p:hf sldNum="0" hdr="0" ftr="0" dt="0"/>
 </p:sldLayout>
 </file>
 
@@ -1363,11 +1371,11 @@
           <a:bodyPr/>
           <a:lstStyle/>
           <a:p>
-            <a:fld id="{5C12C299-16B2-4475-990D-751901EACC14}" type="datetimeFigureOut">
+            <a:fld id="{1413064E-06D1-CA46-8C36-21FA595EAC52}" type="datetimeFigureOut">
               <a:rPr lang="en-US" smtClean="0"/>
-              <a:t>4/6/19</a:t>
+              <a:t>4/6/2019</a:t>
             </a:fld>
-            <a:endParaRPr lang="en-US" dirty="0"/>
+            <a:endParaRPr lang="en-US"/>
           </a:p>
         </p:txBody>
       </p:sp>
@@ -1386,7 +1394,7 @@
           <a:bodyPr/>
           <a:lstStyle/>
           <a:p>
-            <a:endParaRPr lang="en-US" dirty="0"/>
+            <a:endParaRPr lang="en-US"/>
           </a:p>
         </p:txBody>
       </p:sp>
@@ -1405,19 +1413,18 @@
           <a:bodyPr/>
           <a:lstStyle/>
           <a:p>
-            <a:fld id="{D57F1E4F-1CFF-5643-939E-217C01CDF565}" type="slidenum">
+            <a:fld id="{2CC1B71A-4642-774B-8A0D-B385C06E1B70}" type="slidenum">
               <a:rPr lang="en-US" smtClean="0"/>
-              <a:pPr/>
               <a:t>‹#›</a:t>
             </a:fld>
-            <a:endParaRPr lang="en-US" dirty="0"/>
+            <a:endParaRPr lang="en-US"/>
           </a:p>
         </p:txBody>
       </p:sp>
     </p:spTree>
     <p:extLst>
       <p:ext uri="{BB962C8B-B14F-4D97-AF65-F5344CB8AC3E}">
-        <p14:creationId xmlns:p14="http://schemas.microsoft.com/office/powerpoint/2010/main" val="1098730261"/>
+        <p14:creationId xmlns:p14="http://schemas.microsoft.com/office/powerpoint/2010/main" val="1808821851"/>
       </p:ext>
     </p:extLst>
   </p:cSld>
@@ -1974,11 +1981,11 @@
           <a:bodyPr/>
           <a:lstStyle/>
           <a:p>
-            <a:fld id="{9FE86839-B9D8-4651-8783-F325ECE74E65}" type="datetimeFigureOut">
+            <a:fld id="{1413064E-06D1-CA46-8C36-21FA595EAC52}" type="datetimeFigureOut">
               <a:rPr lang="en-US" smtClean="0"/>
-              <a:t>4/6/19</a:t>
+              <a:t>4/6/2019</a:t>
             </a:fld>
-            <a:endParaRPr lang="en-US" dirty="0"/>
+            <a:endParaRPr lang="en-US"/>
           </a:p>
         </p:txBody>
       </p:sp>
@@ -1997,7 +2004,7 @@
           <a:bodyPr/>
           <a:lstStyle/>
           <a:p>
-            <a:endParaRPr lang="en-US" dirty="0"/>
+            <a:endParaRPr lang="en-US"/>
           </a:p>
         </p:txBody>
       </p:sp>
@@ -2016,19 +2023,18 @@
           <a:bodyPr/>
           <a:lstStyle/>
           <a:p>
-            <a:fld id="{D57F1E4F-1CFF-5643-939E-217C01CDF565}" type="slidenum">
+            <a:fld id="{2CC1B71A-4642-774B-8A0D-B385C06E1B70}" type="slidenum">
               <a:rPr lang="en-US" smtClean="0"/>
-              <a:pPr/>
               <a:t>‹#›</a:t>
             </a:fld>
-            <a:endParaRPr lang="en-US" dirty="0"/>
+            <a:endParaRPr lang="en-US"/>
           </a:p>
         </p:txBody>
       </p:sp>
     </p:spTree>
     <p:extLst>
       <p:ext uri="{BB962C8B-B14F-4D97-AF65-F5344CB8AC3E}">
-        <p14:creationId xmlns:p14="http://schemas.microsoft.com/office/powerpoint/2010/main" val="4209863224"/>
+        <p14:creationId xmlns:p14="http://schemas.microsoft.com/office/powerpoint/2010/main" val="1101056519"/>
       </p:ext>
     </p:extLst>
   </p:cSld>
@@ -2822,11 +2828,11 @@
           <a:bodyPr/>
           <a:lstStyle/>
           <a:p>
-            <a:fld id="{FD484F64-32F6-45C5-931F-ADC1662401D0}" type="datetimeFigureOut">
+            <a:fld id="{1413064E-06D1-CA46-8C36-21FA595EAC52}" type="datetimeFigureOut">
               <a:rPr lang="en-US" smtClean="0"/>
-              <a:t>4/6/19</a:t>
+              <a:t>4/6/2019</a:t>
             </a:fld>
-            <a:endParaRPr lang="en-US" dirty="0"/>
+            <a:endParaRPr lang="en-US"/>
           </a:p>
         </p:txBody>
       </p:sp>
@@ -2845,7 +2851,7 @@
           <a:bodyPr/>
           <a:lstStyle/>
           <a:p>
-            <a:endParaRPr lang="en-US" dirty="0"/>
+            <a:endParaRPr lang="en-US"/>
           </a:p>
         </p:txBody>
       </p:sp>
@@ -2864,19 +2870,18 @@
           <a:bodyPr/>
           <a:lstStyle/>
           <a:p>
-            <a:fld id="{D57F1E4F-1CFF-5643-939E-217C01CDF565}" type="slidenum">
+            <a:fld id="{2CC1B71A-4642-774B-8A0D-B385C06E1B70}" type="slidenum">
               <a:rPr lang="en-US" smtClean="0"/>
-              <a:pPr/>
               <a:t>‹#›</a:t>
             </a:fld>
-            <a:endParaRPr lang="en-US" dirty="0"/>
+            <a:endParaRPr lang="en-US"/>
           </a:p>
         </p:txBody>
       </p:sp>
     </p:spTree>
     <p:extLst>
       <p:ext uri="{BB962C8B-B14F-4D97-AF65-F5344CB8AC3E}">
-        <p14:creationId xmlns:p14="http://schemas.microsoft.com/office/powerpoint/2010/main" val="2560641330"/>
+        <p14:creationId xmlns:p14="http://schemas.microsoft.com/office/powerpoint/2010/main" val="1838216100"/>
       </p:ext>
     </p:extLst>
   </p:cSld>
@@ -2993,11 +2998,11 @@
           <a:bodyPr/>
           <a:lstStyle/>
           <a:p>
-            <a:fld id="{53086D93-FCAC-47E0-A2EE-787E62CA814C}" type="datetimeFigureOut">
+            <a:fld id="{1413064E-06D1-CA46-8C36-21FA595EAC52}" type="datetimeFigureOut">
               <a:rPr lang="en-US" smtClean="0"/>
-              <a:t>4/6/19</a:t>
+              <a:t>4/6/2019</a:t>
             </a:fld>
-            <a:endParaRPr lang="en-US" dirty="0"/>
+            <a:endParaRPr lang="en-US"/>
           </a:p>
         </p:txBody>
       </p:sp>
@@ -3016,7 +3021,7 @@
           <a:bodyPr/>
           <a:lstStyle/>
           <a:p>
-            <a:endParaRPr lang="en-US" dirty="0"/>
+            <a:endParaRPr lang="en-US"/>
           </a:p>
         </p:txBody>
       </p:sp>
@@ -3035,19 +3040,18 @@
           <a:bodyPr/>
           <a:lstStyle/>
           <a:p>
-            <a:fld id="{D57F1E4F-1CFF-5643-939E-217C01CDF565}" type="slidenum">
+            <a:fld id="{2CC1B71A-4642-774B-8A0D-B385C06E1B70}" type="slidenum">
               <a:rPr lang="en-US" smtClean="0"/>
-              <a:pPr/>
               <a:t>‹#›</a:t>
             </a:fld>
-            <a:endParaRPr lang="en-US" dirty="0"/>
+            <a:endParaRPr lang="en-US"/>
           </a:p>
         </p:txBody>
       </p:sp>
     </p:spTree>
     <p:extLst>
       <p:ext uri="{BB962C8B-B14F-4D97-AF65-F5344CB8AC3E}">
-        <p14:creationId xmlns:p14="http://schemas.microsoft.com/office/powerpoint/2010/main" val="2648800120"/>
+        <p14:creationId xmlns:p14="http://schemas.microsoft.com/office/powerpoint/2010/main" val="2915649147"/>
       </p:ext>
     </p:extLst>
   </p:cSld>
@@ -3174,11 +3178,11 @@
           <a:bodyPr/>
           <a:lstStyle/>
           <a:p>
-            <a:fld id="{CDA879A6-0FD0-4734-A311-86BFCA472E6E}" type="datetimeFigureOut">
+            <a:fld id="{1413064E-06D1-CA46-8C36-21FA595EAC52}" type="datetimeFigureOut">
               <a:rPr lang="en-US" smtClean="0"/>
-              <a:t>4/6/19</a:t>
+              <a:t>4/6/2019</a:t>
             </a:fld>
-            <a:endParaRPr lang="en-US" dirty="0"/>
+            <a:endParaRPr lang="en-US"/>
           </a:p>
         </p:txBody>
       </p:sp>
@@ -3197,7 +3201,7 @@
           <a:bodyPr/>
           <a:lstStyle/>
           <a:p>
-            <a:endParaRPr lang="en-US" dirty="0"/>
+            <a:endParaRPr lang="en-US"/>
           </a:p>
         </p:txBody>
       </p:sp>
@@ -3216,19 +3220,18 @@
           <a:bodyPr/>
           <a:lstStyle/>
           <a:p>
-            <a:fld id="{D57F1E4F-1CFF-5643-939E-217C01CDF565}" type="slidenum">
+            <a:fld id="{2CC1B71A-4642-774B-8A0D-B385C06E1B70}" type="slidenum">
               <a:rPr lang="en-US" smtClean="0"/>
-              <a:pPr/>
               <a:t>‹#›</a:t>
             </a:fld>
-            <a:endParaRPr lang="en-US" dirty="0"/>
+            <a:endParaRPr lang="en-US"/>
           </a:p>
         </p:txBody>
       </p:sp>
     </p:spTree>
     <p:extLst>
       <p:ext uri="{BB962C8B-B14F-4D97-AF65-F5344CB8AC3E}">
-        <p14:creationId xmlns:p14="http://schemas.microsoft.com/office/powerpoint/2010/main" val="841308843"/>
+        <p14:creationId xmlns:p14="http://schemas.microsoft.com/office/powerpoint/2010/main" val="3762337523"/>
       </p:ext>
     </p:extLst>
   </p:cSld>
@@ -3345,11 +3348,11 @@
           <a:bodyPr/>
           <a:lstStyle/>
           <a:p>
-            <a:fld id="{19C9CA7B-DFD4-44B5-8C60-D14B8CD1FB59}" type="datetimeFigureOut">
+            <a:fld id="{1413064E-06D1-CA46-8C36-21FA595EAC52}" type="datetimeFigureOut">
               <a:rPr lang="en-US" smtClean="0"/>
-              <a:t>4/6/19</a:t>
+              <a:t>4/6/2019</a:t>
             </a:fld>
-            <a:endParaRPr lang="en-US" dirty="0"/>
+            <a:endParaRPr lang="en-US"/>
           </a:p>
         </p:txBody>
       </p:sp>
@@ -3368,7 +3371,7 @@
           <a:bodyPr/>
           <a:lstStyle/>
           <a:p>
-            <a:endParaRPr lang="en-US" dirty="0"/>
+            <a:endParaRPr lang="en-US"/>
           </a:p>
         </p:txBody>
       </p:sp>
@@ -3387,19 +3390,18 @@
           <a:bodyPr/>
           <a:lstStyle/>
           <a:p>
-            <a:fld id="{D57F1E4F-1CFF-5643-939E-217C01CDF565}" type="slidenum">
+            <a:fld id="{2CC1B71A-4642-774B-8A0D-B385C06E1B70}" type="slidenum">
               <a:rPr lang="en-US" smtClean="0"/>
-              <a:pPr/>
               <a:t>‹#›</a:t>
             </a:fld>
-            <a:endParaRPr lang="en-US" dirty="0"/>
+            <a:endParaRPr lang="en-US"/>
           </a:p>
         </p:txBody>
       </p:sp>
     </p:spTree>
     <p:extLst>
       <p:ext uri="{BB962C8B-B14F-4D97-AF65-F5344CB8AC3E}">
-        <p14:creationId xmlns:p14="http://schemas.microsoft.com/office/powerpoint/2010/main" val="824555634"/>
+        <p14:creationId xmlns:p14="http://schemas.microsoft.com/office/powerpoint/2010/main" val="2036009722"/>
       </p:ext>
     </p:extLst>
   </p:cSld>
@@ -3590,11 +3592,11 @@
           <a:bodyPr/>
           <a:lstStyle/>
           <a:p>
-            <a:fld id="{F34E6425-0181-43F2-84FC-787E803FD2F8}" type="datetimeFigureOut">
+            <a:fld id="{1413064E-06D1-CA46-8C36-21FA595EAC52}" type="datetimeFigureOut">
               <a:rPr lang="en-US" smtClean="0"/>
-              <a:t>4/6/19</a:t>
+              <a:t>4/6/2019</a:t>
             </a:fld>
-            <a:endParaRPr lang="en-US" dirty="0"/>
+            <a:endParaRPr lang="en-US"/>
           </a:p>
         </p:txBody>
       </p:sp>
@@ -3613,7 +3615,7 @@
           <a:bodyPr/>
           <a:lstStyle/>
           <a:p>
-            <a:endParaRPr lang="en-US" dirty="0"/>
+            <a:endParaRPr lang="en-US"/>
           </a:p>
         </p:txBody>
       </p:sp>
@@ -3632,19 +3634,18 @@
           <a:bodyPr/>
           <a:lstStyle/>
           <a:p>
-            <a:fld id="{D57F1E4F-1CFF-5643-939E-217C01CDF565}" type="slidenum">
+            <a:fld id="{2CC1B71A-4642-774B-8A0D-B385C06E1B70}" type="slidenum">
               <a:rPr lang="en-US" smtClean="0"/>
-              <a:pPr/>
               <a:t>‹#›</a:t>
             </a:fld>
-            <a:endParaRPr lang="en-US" dirty="0"/>
+            <a:endParaRPr lang="en-US"/>
           </a:p>
         </p:txBody>
       </p:sp>
     </p:spTree>
     <p:extLst>
       <p:ext uri="{BB962C8B-B14F-4D97-AF65-F5344CB8AC3E}">
-        <p14:creationId xmlns:p14="http://schemas.microsoft.com/office/powerpoint/2010/main" val="3174218024"/>
+        <p14:creationId xmlns:p14="http://schemas.microsoft.com/office/powerpoint/2010/main" val="832558374"/>
       </p:ext>
     </p:extLst>
   </p:cSld>
@@ -3883,11 +3884,11 @@
           <a:bodyPr/>
           <a:lstStyle/>
           <a:p>
-            <a:fld id="{3BDB8791-F1B0-41E7-B7FD-A781E65C4266}" type="datetimeFigureOut">
+            <a:fld id="{1413064E-06D1-CA46-8C36-21FA595EAC52}" type="datetimeFigureOut">
               <a:rPr lang="en-US" smtClean="0"/>
-              <a:t>4/6/19</a:t>
+              <a:t>4/6/2019</a:t>
             </a:fld>
-            <a:endParaRPr lang="en-US" dirty="0"/>
+            <a:endParaRPr lang="en-US"/>
           </a:p>
         </p:txBody>
       </p:sp>
@@ -3906,7 +3907,7 @@
           <a:bodyPr/>
           <a:lstStyle/>
           <a:p>
-            <a:endParaRPr lang="en-US" dirty="0"/>
+            <a:endParaRPr lang="en-US"/>
           </a:p>
         </p:txBody>
       </p:sp>
@@ -3925,19 +3926,18 @@
           <a:bodyPr/>
           <a:lstStyle/>
           <a:p>
-            <a:fld id="{D57F1E4F-1CFF-5643-939E-217C01CDF565}" type="slidenum">
+            <a:fld id="{2CC1B71A-4642-774B-8A0D-B385C06E1B70}" type="slidenum">
               <a:rPr lang="en-US" smtClean="0"/>
-              <a:pPr/>
               <a:t>‹#›</a:t>
             </a:fld>
-            <a:endParaRPr lang="en-US" dirty="0"/>
+            <a:endParaRPr lang="en-US"/>
           </a:p>
         </p:txBody>
       </p:sp>
     </p:spTree>
     <p:extLst>
       <p:ext uri="{BB962C8B-B14F-4D97-AF65-F5344CB8AC3E}">
-        <p14:creationId xmlns:p14="http://schemas.microsoft.com/office/powerpoint/2010/main" val="490547476"/>
+        <p14:creationId xmlns:p14="http://schemas.microsoft.com/office/powerpoint/2010/main" val="318130648"/>
       </p:ext>
     </p:extLst>
   </p:cSld>
@@ -4322,11 +4322,11 @@
           <a:bodyPr/>
           <a:lstStyle/>
           <a:p>
-            <a:fld id="{5FDD63B2-E120-4ED8-B27B-C685F510A5FE}" type="datetimeFigureOut">
+            <a:fld id="{1413064E-06D1-CA46-8C36-21FA595EAC52}" type="datetimeFigureOut">
               <a:rPr lang="en-US" smtClean="0"/>
-              <a:t>4/6/19</a:t>
+              <a:t>4/6/2019</a:t>
             </a:fld>
-            <a:endParaRPr lang="en-US" dirty="0"/>
+            <a:endParaRPr lang="en-US"/>
           </a:p>
         </p:txBody>
       </p:sp>
@@ -4345,7 +4345,7 @@
           <a:bodyPr/>
           <a:lstStyle/>
           <a:p>
-            <a:endParaRPr lang="en-US" dirty="0"/>
+            <a:endParaRPr lang="en-US"/>
           </a:p>
         </p:txBody>
       </p:sp>
@@ -4364,19 +4364,18 @@
           <a:bodyPr/>
           <a:lstStyle/>
           <a:p>
-            <a:fld id="{D57F1E4F-1CFF-5643-939E-217C01CDF565}" type="slidenum">
+            <a:fld id="{2CC1B71A-4642-774B-8A0D-B385C06E1B70}" type="slidenum">
               <a:rPr lang="en-US" smtClean="0"/>
-              <a:pPr/>
               <a:t>‹#›</a:t>
             </a:fld>
-            <a:endParaRPr lang="en-US" dirty="0"/>
+            <a:endParaRPr lang="en-US"/>
           </a:p>
         </p:txBody>
       </p:sp>
     </p:spTree>
     <p:extLst>
       <p:ext uri="{BB962C8B-B14F-4D97-AF65-F5344CB8AC3E}">
-        <p14:creationId xmlns:p14="http://schemas.microsoft.com/office/powerpoint/2010/main" val="177295602"/>
+        <p14:creationId xmlns:p14="http://schemas.microsoft.com/office/powerpoint/2010/main" val="4236169415"/>
       </p:ext>
     </p:extLst>
   </p:cSld>
@@ -4441,11 +4440,11 @@
           <a:bodyPr/>
           <a:lstStyle/>
           <a:p>
-            <a:fld id="{7AA18ACC-A947-437B-A130-35BD54FDF1E9}" type="datetimeFigureOut">
+            <a:fld id="{1413064E-06D1-CA46-8C36-21FA595EAC52}" type="datetimeFigureOut">
               <a:rPr lang="en-US" smtClean="0"/>
-              <a:t>4/6/19</a:t>
+              <a:t>4/6/2019</a:t>
             </a:fld>
-            <a:endParaRPr lang="en-US" dirty="0"/>
+            <a:endParaRPr lang="en-US"/>
           </a:p>
         </p:txBody>
       </p:sp>
@@ -4464,7 +4463,7 @@
           <a:bodyPr/>
           <a:lstStyle/>
           <a:p>
-            <a:endParaRPr lang="en-US" dirty="0"/>
+            <a:endParaRPr lang="en-US"/>
           </a:p>
         </p:txBody>
       </p:sp>
@@ -4483,19 +4482,18 @@
           <a:bodyPr/>
           <a:lstStyle/>
           <a:p>
-            <a:fld id="{D57F1E4F-1CFF-5643-939E-217C01CDF565}" type="slidenum">
+            <a:fld id="{2CC1B71A-4642-774B-8A0D-B385C06E1B70}" type="slidenum">
               <a:rPr lang="en-US" smtClean="0"/>
-              <a:pPr/>
               <a:t>‹#›</a:t>
             </a:fld>
-            <a:endParaRPr lang="en-US" dirty="0"/>
+            <a:endParaRPr lang="en-US"/>
           </a:p>
         </p:txBody>
       </p:sp>
     </p:spTree>
     <p:extLst>
       <p:ext uri="{BB962C8B-B14F-4D97-AF65-F5344CB8AC3E}">
-        <p14:creationId xmlns:p14="http://schemas.microsoft.com/office/powerpoint/2010/main" val="4273962551"/>
+        <p14:creationId xmlns:p14="http://schemas.microsoft.com/office/powerpoint/2010/main" val="2164596350"/>
       </p:ext>
     </p:extLst>
   </p:cSld>
@@ -4537,11 +4535,11 @@
           <a:bodyPr/>
           <a:lstStyle/>
           <a:p>
-            <a:fld id="{7C8D7E02-BCB8-4D50-A234-369438C08659}" type="datetimeFigureOut">
+            <a:fld id="{1413064E-06D1-CA46-8C36-21FA595EAC52}" type="datetimeFigureOut">
               <a:rPr lang="en-US" smtClean="0"/>
-              <a:t>4/6/19</a:t>
+              <a:t>4/6/2019</a:t>
             </a:fld>
-            <a:endParaRPr lang="en-US" dirty="0"/>
+            <a:endParaRPr lang="en-US"/>
           </a:p>
         </p:txBody>
       </p:sp>
@@ -4560,7 +4558,7 @@
           <a:bodyPr/>
           <a:lstStyle/>
           <a:p>
-            <a:endParaRPr lang="en-US" dirty="0"/>
+            <a:endParaRPr lang="en-US"/>
           </a:p>
         </p:txBody>
       </p:sp>
@@ -4579,19 +4577,18 @@
           <a:bodyPr/>
           <a:lstStyle/>
           <a:p>
-            <a:fld id="{D57F1E4F-1CFF-5643-939E-217C01CDF565}" type="slidenum">
+            <a:fld id="{2CC1B71A-4642-774B-8A0D-B385C06E1B70}" type="slidenum">
               <a:rPr lang="en-US" smtClean="0"/>
-              <a:pPr/>
               <a:t>‹#›</a:t>
             </a:fld>
-            <a:endParaRPr lang="en-US" dirty="0"/>
+            <a:endParaRPr lang="en-US"/>
           </a:p>
         </p:txBody>
       </p:sp>
     </p:spTree>
     <p:extLst>
       <p:ext uri="{BB962C8B-B14F-4D97-AF65-F5344CB8AC3E}">
-        <p14:creationId xmlns:p14="http://schemas.microsoft.com/office/powerpoint/2010/main" val="3586953694"/>
+        <p14:creationId xmlns:p14="http://schemas.microsoft.com/office/powerpoint/2010/main" val="877020625"/>
       </p:ext>
     </p:extLst>
   </p:cSld>
@@ -4817,11 +4814,11 @@
           <a:bodyPr/>
           <a:lstStyle/>
           <a:p>
-            <a:fld id="{76E86A4C-8E40-4F87-A4F0-01A0687C5742}" type="datetimeFigureOut">
+            <a:fld id="{1413064E-06D1-CA46-8C36-21FA595EAC52}" type="datetimeFigureOut">
               <a:rPr lang="en-US" smtClean="0"/>
-              <a:t>4/6/19</a:t>
+              <a:t>4/6/2019</a:t>
             </a:fld>
-            <a:endParaRPr lang="en-US" dirty="0"/>
+            <a:endParaRPr lang="en-US"/>
           </a:p>
         </p:txBody>
       </p:sp>
@@ -4840,7 +4837,7 @@
           <a:bodyPr/>
           <a:lstStyle/>
           <a:p>
-            <a:endParaRPr lang="en-US" dirty="0"/>
+            <a:endParaRPr lang="en-US"/>
           </a:p>
         </p:txBody>
       </p:sp>
@@ -4859,19 +4856,18 @@
           <a:bodyPr/>
           <a:lstStyle/>
           <a:p>
-            <a:fld id="{D57F1E4F-1CFF-5643-939E-217C01CDF565}" type="slidenum">
+            <a:fld id="{2CC1B71A-4642-774B-8A0D-B385C06E1B70}" type="slidenum">
               <a:rPr lang="en-US" smtClean="0"/>
-              <a:pPr/>
               <a:t>‹#›</a:t>
             </a:fld>
-            <a:endParaRPr lang="en-US" dirty="0"/>
+            <a:endParaRPr lang="en-US"/>
           </a:p>
         </p:txBody>
       </p:sp>
     </p:spTree>
     <p:extLst>
       <p:ext uri="{BB962C8B-B14F-4D97-AF65-F5344CB8AC3E}">
-        <p14:creationId xmlns:p14="http://schemas.microsoft.com/office/powerpoint/2010/main" val="1438316164"/>
+        <p14:creationId xmlns:p14="http://schemas.microsoft.com/office/powerpoint/2010/main" val="2478049985"/>
       </p:ext>
     </p:extLst>
   </p:cSld>
@@ -5093,11 +5089,11 @@
           <a:bodyPr/>
           <a:lstStyle/>
           <a:p>
-            <a:fld id="{35E72C73-2D91-4E12-BA25-F0AA0C03599B}" type="datetimeFigureOut">
+            <a:fld id="{1413064E-06D1-CA46-8C36-21FA595EAC52}" type="datetimeFigureOut">
               <a:rPr lang="en-US" smtClean="0"/>
-              <a:t>4/6/19</a:t>
+              <a:t>4/6/2019</a:t>
             </a:fld>
-            <a:endParaRPr lang="en-US" dirty="0"/>
+            <a:endParaRPr lang="en-US"/>
           </a:p>
         </p:txBody>
       </p:sp>
@@ -5116,7 +5112,7 @@
           <a:bodyPr/>
           <a:lstStyle/>
           <a:p>
-            <a:endParaRPr lang="en-US" dirty="0"/>
+            <a:endParaRPr lang="en-US"/>
           </a:p>
         </p:txBody>
       </p:sp>
@@ -5135,19 +5131,18 @@
           <a:bodyPr/>
           <a:lstStyle/>
           <a:p>
-            <a:fld id="{D57F1E4F-1CFF-5643-939E-217C01CDF565}" type="slidenum">
+            <a:fld id="{2CC1B71A-4642-774B-8A0D-B385C06E1B70}" type="slidenum">
               <a:rPr lang="en-US" smtClean="0"/>
-              <a:pPr/>
               <a:t>‹#›</a:t>
             </a:fld>
-            <a:endParaRPr lang="en-US" dirty="0"/>
+            <a:endParaRPr lang="en-US"/>
           </a:p>
         </p:txBody>
       </p:sp>
     </p:spTree>
     <p:extLst>
       <p:ext uri="{BB962C8B-B14F-4D97-AF65-F5344CB8AC3E}">
-        <p14:creationId xmlns:p14="http://schemas.microsoft.com/office/powerpoint/2010/main" val="3890582167"/>
+        <p14:creationId xmlns:p14="http://schemas.microsoft.com/office/powerpoint/2010/main" val="3177602957"/>
       </p:ext>
     </p:extLst>
   </p:cSld>
@@ -5523,11 +5518,11 @@
             </a:lvl1pPr>
           </a:lstStyle>
           <a:p>
-            <a:fld id="{2BE451C3-0FF4-47C4-B829-773ADF60F88C}" type="datetimeFigureOut">
+            <a:fld id="{1413064E-06D1-CA46-8C36-21FA595EAC52}" type="datetimeFigureOut">
               <a:rPr lang="en-US" smtClean="0"/>
-              <a:t>4/6/19</a:t>
+              <a:t>4/6/2019</a:t>
             </a:fld>
-            <a:endParaRPr lang="en-US" dirty="0"/>
+            <a:endParaRPr lang="en-US"/>
           </a:p>
         </p:txBody>
       </p:sp>
@@ -5565,7 +5560,7 @@
             </a:lvl1pPr>
           </a:lstStyle>
           <a:p>
-            <a:endParaRPr lang="en-US" dirty="0"/>
+            <a:endParaRPr lang="en-US"/>
           </a:p>
         </p:txBody>
       </p:sp>
@@ -5602,43 +5597,41 @@
             </a:lvl1pPr>
           </a:lstStyle>
           <a:p>
-            <a:fld id="{D57F1E4F-1CFF-5643-939E-217C01CDF565}" type="slidenum">
+            <a:fld id="{2CC1B71A-4642-774B-8A0D-B385C06E1B70}" type="slidenum">
               <a:rPr lang="en-US" smtClean="0"/>
-              <a:pPr/>
               <a:t>‹#›</a:t>
             </a:fld>
-            <a:endParaRPr lang="en-US" dirty="0"/>
+            <a:endParaRPr lang="en-US"/>
           </a:p>
         </p:txBody>
       </p:sp>
     </p:spTree>
     <p:extLst>
       <p:ext uri="{BB962C8B-B14F-4D97-AF65-F5344CB8AC3E}">
-        <p14:creationId xmlns:p14="http://schemas.microsoft.com/office/powerpoint/2010/main" val="4119003185"/>
+        <p14:creationId xmlns:p14="http://schemas.microsoft.com/office/powerpoint/2010/main" val="448387897"/>
       </p:ext>
     </p:extLst>
   </p:cSld>
   <p:clrMap bg1="dk1" tx1="lt1" bg2="dk2" tx2="lt2" accent1="accent1" accent2="accent2" accent3="accent3" accent4="accent4" accent5="accent5" accent6="accent6" hlink="hlink" folHlink="folHlink"/>
   <p:sldLayoutIdLst>
-    <p:sldLayoutId id="2147483711" r:id="rId1"/>
-    <p:sldLayoutId id="2147483712" r:id="rId2"/>
-    <p:sldLayoutId id="2147483713" r:id="rId3"/>
-    <p:sldLayoutId id="2147483714" r:id="rId4"/>
-    <p:sldLayoutId id="2147483715" r:id="rId5"/>
-    <p:sldLayoutId id="2147483716" r:id="rId6"/>
-    <p:sldLayoutId id="2147483717" r:id="rId7"/>
-    <p:sldLayoutId id="2147483718" r:id="rId8"/>
-    <p:sldLayoutId id="2147483719" r:id="rId9"/>
-    <p:sldLayoutId id="2147483720" r:id="rId10"/>
-    <p:sldLayoutId id="2147483721" r:id="rId11"/>
-    <p:sldLayoutId id="2147483722" r:id="rId12"/>
-    <p:sldLayoutId id="2147483723" r:id="rId13"/>
-    <p:sldLayoutId id="2147483724" r:id="rId14"/>
-    <p:sldLayoutId id="2147483725" r:id="rId15"/>
-    <p:sldLayoutId id="2147483726" r:id="rId16"/>
-    <p:sldLayoutId id="2147483727" r:id="rId17"/>
+    <p:sldLayoutId id="2147483715" r:id="rId1"/>
+    <p:sldLayoutId id="2147483716" r:id="rId2"/>
+    <p:sldLayoutId id="2147483717" r:id="rId3"/>
+    <p:sldLayoutId id="2147483718" r:id="rId4"/>
+    <p:sldLayoutId id="2147483719" r:id="rId5"/>
+    <p:sldLayoutId id="2147483720" r:id="rId6"/>
+    <p:sldLayoutId id="2147483721" r:id="rId7"/>
+    <p:sldLayoutId id="2147483722" r:id="rId8"/>
+    <p:sldLayoutId id="2147483723" r:id="rId9"/>
+    <p:sldLayoutId id="2147483724" r:id="rId10"/>
+    <p:sldLayoutId id="2147483725" r:id="rId11"/>
+    <p:sldLayoutId id="2147483726" r:id="rId12"/>
+    <p:sldLayoutId id="2147483727" r:id="rId13"/>
+    <p:sldLayoutId id="2147483728" r:id="rId14"/>
+    <p:sldLayoutId id="2147483729" r:id="rId15"/>
+    <p:sldLayoutId id="2147483730" r:id="rId16"/>
+    <p:sldLayoutId id="2147483731" r:id="rId17"/>
   </p:sldLayoutIdLst>
-  <p:hf sldNum="0" hdr="0" ftr="0" dt="0"/>
   <p:txStyles>
     <p:titleStyle>
       <a:lvl1pPr algn="l" defTabSz="457200" rtl="0" eaLnBrk="1" latinLnBrk="0" hangingPunct="1">
@@ -6058,12 +6051,8 @@
           <a:p>
             <a:pPr algn="ctr"/>
             <a:r>
-              <a:rPr lang="en-US" dirty="0">
-                <a:solidFill>
-                  <a:schemeClr val="tx1"/>
-                </a:solidFill>
-              </a:rPr>
-              <a:t>Mass Spectrum Noise Reduction with Neural Networks</a:t>
+              <a:rPr lang="en-US" dirty="0"/>
+              <a:t>Mass Spectrum Protein Matching with Neural Networks</a:t>
             </a:r>
           </a:p>
         </p:txBody>
@@ -6098,7 +6087,7 @@
           <a:p>
             <a:pPr algn="ctr"/>
             <a:r>
-              <a:rPr lang="en-US" sz="2000" dirty="0">
+              <a:rPr lang="en-US" sz="2000" cap="none" dirty="0">
                 <a:solidFill>
                   <a:schemeClr val="tx1"/>
                 </a:solidFill>
@@ -6109,7 +6098,7 @@
           <a:p>
             <a:pPr algn="ctr"/>
             <a:r>
-              <a:rPr lang="en-US" sz="2000" dirty="0">
+              <a:rPr lang="en-US" sz="2000" cap="none" dirty="0">
                 <a:solidFill>
                   <a:schemeClr val="tx1"/>
                 </a:solidFill>
@@ -6117,14 +6106,14 @@
               <a:t>Jonah </a:t>
             </a:r>
             <a:r>
-              <a:rPr lang="en-US" sz="2000" dirty="0" err="1">
+              <a:rPr lang="en-US" sz="2000" cap="none" dirty="0" err="1">
                 <a:solidFill>
                   <a:schemeClr val="tx1"/>
                 </a:solidFill>
               </a:rPr>
               <a:t>Kubath</a:t>
             </a:r>
-            <a:endParaRPr lang="en-US" sz="2000" dirty="0">
+            <a:endParaRPr lang="en-US" sz="2000" cap="none" dirty="0">
               <a:solidFill>
                 <a:schemeClr val="tx1"/>
               </a:solidFill>
@@ -6135,12 +6124,2307 @@
     </p:spTree>
     <p:extLst>
       <p:ext uri="{BB962C8B-B14F-4D97-AF65-F5344CB8AC3E}">
-        <p14:creationId xmlns:p14="http://schemas.microsoft.com/office/powerpoint/2010/main" val="2442973626"/>
+        <p14:creationId xmlns:p14="http://schemas.microsoft.com/office/powerpoint/2010/main" val="4017014971"/>
       </p:ext>
     </p:extLst>
   </p:cSld>
   <p:clrMapOvr>
-    <a:overrideClrMapping bg1="dk1" tx1="lt1" bg2="dk2" tx2="lt2" accent1="accent1" accent2="accent2" accent3="accent3" accent4="accent4" accent5="accent5" accent6="accent6" hlink="hlink" folHlink="folHlink"/>
+    <a:masterClrMapping/>
+  </p:clrMapOvr>
+</p:sld>
+</file>
+
+<file path=ppt/slides/slide10.xml><?xml version="1.0" encoding="utf-8"?>
+<p:sld xmlns:a="http://schemas.openxmlformats.org/drawingml/2006/main" xmlns:r="http://schemas.openxmlformats.org/officeDocument/2006/relationships" xmlns:p="http://schemas.openxmlformats.org/presentationml/2006/main">
+  <p:cSld>
+    <p:spTree>
+      <p:nvGrpSpPr>
+        <p:cNvPr id="1" name=""/>
+        <p:cNvGrpSpPr/>
+        <p:nvPr/>
+      </p:nvGrpSpPr>
+      <p:grpSpPr>
+        <a:xfrm>
+          <a:off x="0" y="0"/>
+          <a:ext cx="0" cy="0"/>
+          <a:chOff x="0" y="0"/>
+          <a:chExt cx="0" cy="0"/>
+        </a:xfrm>
+      </p:grpSpPr>
+      <p:sp>
+        <p:nvSpPr>
+          <p:cNvPr id="2" name="Title 1">
+            <a:extLst>
+              <a:ext uri="{FF2B5EF4-FFF2-40B4-BE49-F238E27FC236}">
+                <a16:creationId xmlns:a16="http://schemas.microsoft.com/office/drawing/2014/main" id="{D443C54C-6DF9-CA4A-958E-308AAB870370}"/>
+              </a:ext>
+            </a:extLst>
+          </p:cNvPr>
+          <p:cNvSpPr>
+            <a:spLocks noGrp="1"/>
+          </p:cNvSpPr>
+          <p:nvPr>
+            <p:ph type="ctrTitle"/>
+          </p:nvPr>
+        </p:nvSpPr>
+        <p:spPr>
+          <a:xfrm>
+            <a:off x="1683171" y="1169773"/>
+            <a:ext cx="8825658" cy="2870161"/>
+          </a:xfrm>
+        </p:spPr>
+        <p:txBody>
+          <a:bodyPr anchor="b">
+            <a:normAutofit fontScale="90000"/>
+          </a:bodyPr>
+          <a:lstStyle/>
+          <a:p>
+            <a:pPr algn="ctr"/>
+            <a:r>
+              <a:rPr lang="en-US" dirty="0"/>
+              <a:t>Mass Spectrum Protein Matching with Neural Networks</a:t>
+            </a:r>
+          </a:p>
+        </p:txBody>
+      </p:sp>
+      <p:sp>
+        <p:nvSpPr>
+          <p:cNvPr id="3" name="Subtitle 2">
+            <a:extLst>
+              <a:ext uri="{FF2B5EF4-FFF2-40B4-BE49-F238E27FC236}">
+                <a16:creationId xmlns:a16="http://schemas.microsoft.com/office/drawing/2014/main" id="{CBB04ED8-73E4-FD41-843B-5F27AD032BF4}"/>
+              </a:ext>
+            </a:extLst>
+          </p:cNvPr>
+          <p:cNvSpPr>
+            <a:spLocks noGrp="1"/>
+          </p:cNvSpPr>
+          <p:nvPr>
+            <p:ph type="subTitle" idx="1"/>
+          </p:nvPr>
+        </p:nvSpPr>
+        <p:spPr>
+          <a:xfrm>
+            <a:off x="1683171" y="4293441"/>
+            <a:ext cx="8825658" cy="1234148"/>
+          </a:xfrm>
+        </p:spPr>
+        <p:txBody>
+          <a:bodyPr>
+            <a:normAutofit/>
+          </a:bodyPr>
+          <a:lstStyle/>
+          <a:p>
+            <a:pPr algn="ctr"/>
+            <a:r>
+              <a:rPr lang="en-US" sz="2000" cap="none" dirty="0">
+                <a:solidFill>
+                  <a:schemeClr val="tx1"/>
+                </a:solidFill>
+              </a:rPr>
+              <a:t>Matt Peter</a:t>
+            </a:r>
+          </a:p>
+          <a:p>
+            <a:pPr algn="ctr"/>
+            <a:r>
+              <a:rPr lang="en-US" sz="2000" cap="none" dirty="0">
+                <a:solidFill>
+                  <a:schemeClr val="tx1"/>
+                </a:solidFill>
+              </a:rPr>
+              <a:t>Jonah </a:t>
+            </a:r>
+            <a:r>
+              <a:rPr lang="en-US" sz="2000" cap="none" dirty="0" err="1">
+                <a:solidFill>
+                  <a:schemeClr val="tx1"/>
+                </a:solidFill>
+              </a:rPr>
+              <a:t>Kubath</a:t>
+            </a:r>
+            <a:endParaRPr lang="en-US" sz="2000" cap="none" dirty="0">
+              <a:solidFill>
+                <a:schemeClr val="tx1"/>
+              </a:solidFill>
+            </a:endParaRPr>
+          </a:p>
+        </p:txBody>
+      </p:sp>
+    </p:spTree>
+    <p:extLst>
+      <p:ext uri="{BB962C8B-B14F-4D97-AF65-F5344CB8AC3E}">
+        <p14:creationId xmlns:p14="http://schemas.microsoft.com/office/powerpoint/2010/main" val="3210108138"/>
+      </p:ext>
+    </p:extLst>
+  </p:cSld>
+  <p:clrMapOvr>
+    <a:masterClrMapping/>
+  </p:clrMapOvr>
+</p:sld>
+</file>
+
+<file path=ppt/slides/slide2.xml><?xml version="1.0" encoding="utf-8"?>
+<p:sld xmlns:a="http://schemas.openxmlformats.org/drawingml/2006/main" xmlns:r="http://schemas.openxmlformats.org/officeDocument/2006/relationships" xmlns:p="http://schemas.openxmlformats.org/presentationml/2006/main">
+  <p:cSld>
+    <p:bg>
+      <p:bgPr>
+        <a:blipFill rotWithShape="1">
+          <a:blip r:embed="rId2">
+            <a:duotone>
+              <a:schemeClr val="bg2">
+                <a:shade val="62000"/>
+                <a:hueMod val="108000"/>
+                <a:satMod val="164000"/>
+                <a:lumMod val="69000"/>
+              </a:schemeClr>
+              <a:schemeClr val="bg2">
+                <a:tint val="96000"/>
+                <a:hueMod val="90000"/>
+                <a:satMod val="130000"/>
+                <a:lumMod val="134000"/>
+              </a:schemeClr>
+            </a:duotone>
+            <a:extLst/>
+          </a:blip>
+          <a:stretch/>
+        </a:blipFill>
+        <a:effectLst/>
+      </p:bgPr>
+    </p:bg>
+    <p:spTree>
+      <p:nvGrpSpPr>
+        <p:cNvPr id="1" name=""/>
+        <p:cNvGrpSpPr/>
+        <p:nvPr/>
+      </p:nvGrpSpPr>
+      <p:grpSpPr>
+        <a:xfrm>
+          <a:off x="0" y="0"/>
+          <a:ext cx="0" cy="0"/>
+          <a:chOff x="0" y="0"/>
+          <a:chExt cx="0" cy="0"/>
+        </a:xfrm>
+      </p:grpSpPr>
+      <p:sp>
+        <p:nvSpPr>
+          <p:cNvPr id="2" name="Title 1">
+            <a:extLst>
+              <a:ext uri="{FF2B5EF4-FFF2-40B4-BE49-F238E27FC236}">
+                <a16:creationId xmlns:a16="http://schemas.microsoft.com/office/drawing/2014/main" id="{D443C54C-6DF9-CA4A-958E-308AAB870370}"/>
+              </a:ext>
+            </a:extLst>
+          </p:cNvPr>
+          <p:cNvSpPr>
+            <a:spLocks noGrp="1"/>
+          </p:cNvSpPr>
+          <p:nvPr>
+            <p:ph type="ctrTitle"/>
+          </p:nvPr>
+        </p:nvSpPr>
+        <p:spPr>
+          <a:xfrm>
+            <a:off x="647701" y="571500"/>
+            <a:ext cx="3339281" cy="765545"/>
+          </a:xfrm>
+        </p:spPr>
+        <p:txBody>
+          <a:bodyPr>
+            <a:normAutofit/>
+          </a:bodyPr>
+          <a:lstStyle/>
+          <a:p>
+            <a:r>
+              <a:rPr lang="en-US" sz="4200" dirty="0"/>
+              <a:t>Proteomics</a:t>
+            </a:r>
+          </a:p>
+        </p:txBody>
+      </p:sp>
+      <p:sp>
+        <p:nvSpPr>
+          <p:cNvPr id="3" name="Subtitle 2">
+            <a:extLst>
+              <a:ext uri="{FF2B5EF4-FFF2-40B4-BE49-F238E27FC236}">
+                <a16:creationId xmlns:a16="http://schemas.microsoft.com/office/drawing/2014/main" id="{CBB04ED8-73E4-FD41-843B-5F27AD032BF4}"/>
+              </a:ext>
+            </a:extLst>
+          </p:cNvPr>
+          <p:cNvSpPr>
+            <a:spLocks noGrp="1"/>
+          </p:cNvSpPr>
+          <p:nvPr>
+            <p:ph type="subTitle" idx="1"/>
+          </p:nvPr>
+        </p:nvSpPr>
+        <p:spPr>
+          <a:xfrm>
+            <a:off x="401807" y="2154583"/>
+            <a:ext cx="5463005" cy="3672475"/>
+          </a:xfrm>
+        </p:spPr>
+        <p:txBody>
+          <a:bodyPr>
+            <a:normAutofit/>
+          </a:bodyPr>
+          <a:lstStyle/>
+          <a:p>
+            <a:pPr marL="342900" indent="-342900">
+              <a:buClr>
+                <a:schemeClr val="tx1"/>
+              </a:buClr>
+              <a:buFont typeface="Arial" panose="020B0604020202020204" pitchFamily="34" charset="0"/>
+              <a:buChar char="•"/>
+            </a:pPr>
+            <a:r>
+              <a:rPr lang="en-US" cap="none" dirty="0">
+                <a:solidFill>
+                  <a:schemeClr val="tx1"/>
+                </a:solidFill>
+              </a:rPr>
+              <a:t>Mass Spectrometry</a:t>
+            </a:r>
+          </a:p>
+          <a:p>
+            <a:pPr marL="342900" indent="-342900">
+              <a:buClr>
+                <a:schemeClr val="tx1"/>
+              </a:buClr>
+              <a:buFont typeface="Arial" panose="020B0604020202020204" pitchFamily="34" charset="0"/>
+              <a:buChar char="•"/>
+            </a:pPr>
+            <a:endParaRPr lang="en-US" cap="none" dirty="0">
+              <a:solidFill>
+                <a:schemeClr val="tx1"/>
+              </a:solidFill>
+            </a:endParaRPr>
+          </a:p>
+          <a:p>
+            <a:pPr marL="342900" indent="-342900">
+              <a:buClr>
+                <a:schemeClr val="tx1"/>
+              </a:buClr>
+              <a:buFont typeface="Arial" panose="020B0604020202020204" pitchFamily="34" charset="0"/>
+              <a:buChar char="•"/>
+            </a:pPr>
+            <a:r>
+              <a:rPr lang="en-US" cap="none" dirty="0">
+                <a:solidFill>
+                  <a:schemeClr val="tx1"/>
+                </a:solidFill>
+              </a:rPr>
+              <a:t>Proteins are broken into Peptide Sequences</a:t>
+            </a:r>
+          </a:p>
+          <a:p>
+            <a:pPr marL="342900" indent="-342900">
+              <a:buClr>
+                <a:schemeClr val="tx1"/>
+              </a:buClr>
+              <a:buFont typeface="Arial" panose="020B0604020202020204" pitchFamily="34" charset="0"/>
+              <a:buChar char="•"/>
+            </a:pPr>
+            <a:endParaRPr lang="en-US" cap="none" dirty="0">
+              <a:solidFill>
+                <a:schemeClr val="tx1"/>
+              </a:solidFill>
+            </a:endParaRPr>
+          </a:p>
+          <a:p>
+            <a:pPr marL="342900" indent="-342900">
+              <a:buClr>
+                <a:schemeClr val="tx1"/>
+              </a:buClr>
+              <a:buFont typeface="Arial" panose="020B0604020202020204" pitchFamily="34" charset="0"/>
+              <a:buChar char="•"/>
+            </a:pPr>
+            <a:r>
+              <a:rPr lang="en-US" cap="none" dirty="0">
+                <a:solidFill>
+                  <a:schemeClr val="tx1"/>
+                </a:solidFill>
+              </a:rPr>
+              <a:t>Peptide are broken down into ions</a:t>
+            </a:r>
+          </a:p>
+          <a:p>
+            <a:pPr marL="342900" indent="-342900">
+              <a:buClr>
+                <a:schemeClr val="tx1"/>
+              </a:buClr>
+              <a:buFont typeface="Arial" panose="020B0604020202020204" pitchFamily="34" charset="0"/>
+              <a:buChar char="•"/>
+            </a:pPr>
+            <a:endParaRPr lang="en-US" cap="none" dirty="0">
+              <a:solidFill>
+                <a:schemeClr val="tx1"/>
+              </a:solidFill>
+            </a:endParaRPr>
+          </a:p>
+          <a:p>
+            <a:pPr marL="342900" indent="-342900">
+              <a:buClr>
+                <a:schemeClr val="tx1"/>
+              </a:buClr>
+              <a:buFont typeface="Arial" panose="020B0604020202020204" pitchFamily="34" charset="0"/>
+              <a:buChar char="•"/>
+            </a:pPr>
+            <a:r>
+              <a:rPr lang="en-US" cap="none" dirty="0">
+                <a:solidFill>
+                  <a:schemeClr val="tx1"/>
+                </a:solidFill>
+              </a:rPr>
+              <a:t>Ions are then fragmented, separated, and detected</a:t>
+            </a:r>
+          </a:p>
+          <a:p>
+            <a:pPr marL="342900" indent="-342900">
+              <a:buFont typeface="+mj-lt"/>
+              <a:buAutoNum type="arabicPeriod"/>
+            </a:pPr>
+            <a:endParaRPr lang="en-US" cap="none" dirty="0">
+              <a:solidFill>
+                <a:schemeClr val="tx1"/>
+              </a:solidFill>
+            </a:endParaRPr>
+          </a:p>
+        </p:txBody>
+      </p:sp>
+      <p:pic>
+        <p:nvPicPr>
+          <p:cNvPr id="4" name="Picture 3">
+            <a:extLst>
+              <a:ext uri="{FF2B5EF4-FFF2-40B4-BE49-F238E27FC236}">
+                <a16:creationId xmlns:a16="http://schemas.microsoft.com/office/drawing/2014/main" id="{41533893-FA7F-D848-BB1D-DF98F77A2EE7}"/>
+              </a:ext>
+            </a:extLst>
+          </p:cNvPr>
+          <p:cNvPicPr preferRelativeResize="0"/>
+          <p:nvPr/>
+        </p:nvPicPr>
+        <p:blipFill rotWithShape="1">
+          <a:blip r:embed="rId3">
+            <a:extLst>
+              <a:ext uri="{28A0092B-C50C-407E-A947-70E740481C1C}">
+                <a14:useLocalDpi xmlns:a14="http://schemas.microsoft.com/office/drawing/2010/main" val="0"/>
+              </a:ext>
+            </a:extLst>
+          </a:blip>
+          <a:stretch/>
+        </p:blipFill>
+        <p:spPr bwMode="auto">
+          <a:xfrm>
+            <a:off x="5864812" y="1332563"/>
+            <a:ext cx="6110504" cy="4999233"/>
+          </a:xfrm>
+          <a:prstGeom prst="rect">
+            <a:avLst/>
+          </a:prstGeom>
+          <a:noFill/>
+        </p:spPr>
+      </p:pic>
+      <p:sp>
+        <p:nvSpPr>
+          <p:cNvPr id="9" name="Rectangle 8">
+            <a:extLst>
+              <a:ext uri="{FF2B5EF4-FFF2-40B4-BE49-F238E27FC236}">
+                <a16:creationId xmlns:a16="http://schemas.microsoft.com/office/drawing/2014/main" id="{C91B2AEB-9C03-4291-82DB-27D351F311F4}"/>
+              </a:ext>
+              <a:ext uri="{C183D7F6-B498-43B3-948B-1728B52AA6E4}">
+                <adec:decorative xmlns:adec="http://schemas.microsoft.com/office/drawing/2017/decorative" val="1"/>
+              </a:ext>
+            </a:extLst>
+          </p:cNvPr>
+          <p:cNvSpPr>
+            <a:spLocks noGrp="1" noRot="1" noChangeAspect="1" noMove="1" noResize="1" noEditPoints="1" noAdjustHandles="1" noChangeArrowheads="1" noChangeShapeType="1" noTextEdit="1"/>
+          </p:cNvSpPr>
+          <p:nvPr>
+            <p:extLst>
+              <p:ext uri="{386F3935-93C4-4BCD-93E2-E3B085C9AB24}">
+                <p16:designElem xmlns:p16="http://schemas.microsoft.com/office/powerpoint/2015/main" val="1"/>
+              </p:ext>
+            </p:extLst>
+          </p:nvPr>
+        </p:nvSpPr>
+        <p:spPr>
+          <a:xfrm>
+            <a:off x="10437812" y="0"/>
+            <a:ext cx="685800" cy="1143000"/>
+          </a:xfrm>
+          <a:prstGeom prst="rect">
+            <a:avLst/>
+          </a:prstGeom>
+          <a:solidFill>
+            <a:schemeClr val="accent1"/>
+          </a:solidFill>
+          <a:ln>
+            <a:noFill/>
+          </a:ln>
+        </p:spPr>
+        <p:style>
+          <a:lnRef idx="1">
+            <a:schemeClr val="accent1"/>
+          </a:lnRef>
+          <a:fillRef idx="3">
+            <a:schemeClr val="accent1"/>
+          </a:fillRef>
+          <a:effectRef idx="2">
+            <a:schemeClr val="accent1"/>
+          </a:effectRef>
+          <a:fontRef idx="minor">
+            <a:schemeClr val="lt1"/>
+          </a:fontRef>
+        </p:style>
+      </p:sp>
+    </p:spTree>
+    <p:extLst>
+      <p:ext uri="{BB962C8B-B14F-4D97-AF65-F5344CB8AC3E}">
+        <p14:creationId xmlns:p14="http://schemas.microsoft.com/office/powerpoint/2010/main" val="820444391"/>
+      </p:ext>
+    </p:extLst>
+  </p:cSld>
+  <p:clrMapOvr>
+    <a:masterClrMapping/>
+  </p:clrMapOvr>
+</p:sld>
+</file>
+
+<file path=ppt/slides/slide3.xml><?xml version="1.0" encoding="utf-8"?>
+<p:sld xmlns:a="http://schemas.openxmlformats.org/drawingml/2006/main" xmlns:r="http://schemas.openxmlformats.org/officeDocument/2006/relationships" xmlns:p="http://schemas.openxmlformats.org/presentationml/2006/main">
+  <p:cSld>
+    <p:bg>
+      <p:bgPr>
+        <a:blipFill rotWithShape="1">
+          <a:blip r:embed="rId2">
+            <a:duotone>
+              <a:schemeClr val="bg2">
+                <a:shade val="62000"/>
+                <a:hueMod val="108000"/>
+                <a:satMod val="164000"/>
+                <a:lumMod val="69000"/>
+              </a:schemeClr>
+              <a:schemeClr val="bg2">
+                <a:tint val="96000"/>
+                <a:hueMod val="90000"/>
+                <a:satMod val="130000"/>
+                <a:lumMod val="134000"/>
+              </a:schemeClr>
+            </a:duotone>
+            <a:extLst/>
+          </a:blip>
+          <a:stretch/>
+        </a:blipFill>
+        <a:effectLst/>
+      </p:bgPr>
+    </p:bg>
+    <p:spTree>
+      <p:nvGrpSpPr>
+        <p:cNvPr id="1" name=""/>
+        <p:cNvGrpSpPr/>
+        <p:nvPr/>
+      </p:nvGrpSpPr>
+      <p:grpSpPr>
+        <a:xfrm>
+          <a:off x="0" y="0"/>
+          <a:ext cx="0" cy="0"/>
+          <a:chOff x="0" y="0"/>
+          <a:chExt cx="0" cy="0"/>
+        </a:xfrm>
+      </p:grpSpPr>
+      <p:sp>
+        <p:nvSpPr>
+          <p:cNvPr id="2" name="Title 1">
+            <a:extLst>
+              <a:ext uri="{FF2B5EF4-FFF2-40B4-BE49-F238E27FC236}">
+                <a16:creationId xmlns:a16="http://schemas.microsoft.com/office/drawing/2014/main" id="{D443C54C-6DF9-CA4A-958E-308AAB870370}"/>
+              </a:ext>
+            </a:extLst>
+          </p:cNvPr>
+          <p:cNvSpPr>
+            <a:spLocks noGrp="1"/>
+          </p:cNvSpPr>
+          <p:nvPr>
+            <p:ph type="ctrTitle"/>
+          </p:nvPr>
+        </p:nvSpPr>
+        <p:spPr>
+          <a:xfrm>
+            <a:off x="647701" y="571500"/>
+            <a:ext cx="3339281" cy="765545"/>
+          </a:xfrm>
+        </p:spPr>
+        <p:txBody>
+          <a:bodyPr>
+            <a:normAutofit/>
+          </a:bodyPr>
+          <a:lstStyle/>
+          <a:p>
+            <a:r>
+              <a:rPr lang="en-US" sz="4200" dirty="0"/>
+              <a:t>MS-REDUCE</a:t>
+            </a:r>
+          </a:p>
+        </p:txBody>
+      </p:sp>
+      <p:sp>
+        <p:nvSpPr>
+          <p:cNvPr id="3" name="Subtitle 2">
+            <a:extLst>
+              <a:ext uri="{FF2B5EF4-FFF2-40B4-BE49-F238E27FC236}">
+                <a16:creationId xmlns:a16="http://schemas.microsoft.com/office/drawing/2014/main" id="{CBB04ED8-73E4-FD41-843B-5F27AD032BF4}"/>
+              </a:ext>
+            </a:extLst>
+          </p:cNvPr>
+          <p:cNvSpPr>
+            <a:spLocks noGrp="1"/>
+          </p:cNvSpPr>
+          <p:nvPr>
+            <p:ph type="subTitle" idx="1"/>
+          </p:nvPr>
+        </p:nvSpPr>
+        <p:spPr>
+          <a:xfrm>
+            <a:off x="401807" y="2653774"/>
+            <a:ext cx="5463005" cy="2674091"/>
+          </a:xfrm>
+        </p:spPr>
+        <p:txBody>
+          <a:bodyPr>
+            <a:normAutofit/>
+          </a:bodyPr>
+          <a:lstStyle/>
+          <a:p>
+            <a:pPr marL="342900" indent="-342900">
+              <a:buClr>
+                <a:schemeClr val="tx1"/>
+              </a:buClr>
+              <a:buFont typeface="Arial" panose="020B0604020202020204" pitchFamily="34" charset="0"/>
+              <a:buChar char="•"/>
+            </a:pPr>
+            <a:r>
+              <a:rPr lang="en-US" cap="none" dirty="0">
+                <a:solidFill>
+                  <a:schemeClr val="tx1"/>
+                </a:solidFill>
+              </a:rPr>
+              <a:t>Used to reduce noise in MS2 data</a:t>
+            </a:r>
+          </a:p>
+          <a:p>
+            <a:pPr>
+              <a:buClr>
+                <a:schemeClr val="tx1"/>
+              </a:buClr>
+            </a:pPr>
+            <a:endParaRPr lang="en-US" cap="none" dirty="0">
+              <a:solidFill>
+                <a:schemeClr val="tx1"/>
+              </a:solidFill>
+            </a:endParaRPr>
+          </a:p>
+          <a:p>
+            <a:pPr marL="342900" indent="-342900">
+              <a:buClr>
+                <a:schemeClr val="tx1"/>
+              </a:buClr>
+              <a:buFont typeface="Arial" panose="020B0604020202020204" pitchFamily="34" charset="0"/>
+              <a:buChar char="•"/>
+            </a:pPr>
+            <a:r>
+              <a:rPr lang="en-US" cap="none" dirty="0">
+                <a:solidFill>
+                  <a:schemeClr val="tx1"/>
+                </a:solidFill>
+              </a:rPr>
+              <a:t>Consists of a three-stage pipeline</a:t>
+            </a:r>
+          </a:p>
+          <a:p>
+            <a:pPr marL="800100" lvl="1" indent="-342900" algn="l">
+              <a:buClr>
+                <a:schemeClr val="tx1"/>
+              </a:buClr>
+              <a:buFont typeface="Arial" panose="020B0604020202020204" pitchFamily="34" charset="0"/>
+              <a:buChar char="•"/>
+            </a:pPr>
+            <a:r>
+              <a:rPr lang="en-US" cap="none" dirty="0">
+                <a:solidFill>
+                  <a:schemeClr val="tx1"/>
+                </a:solidFill>
+              </a:rPr>
+              <a:t>Spectral Classification</a:t>
+            </a:r>
+          </a:p>
+          <a:p>
+            <a:pPr marL="800100" lvl="1" indent="-342900" algn="l">
+              <a:buClr>
+                <a:schemeClr val="tx1"/>
+              </a:buClr>
+              <a:buFont typeface="Arial" panose="020B0604020202020204" pitchFamily="34" charset="0"/>
+              <a:buChar char="•"/>
+            </a:pPr>
+            <a:r>
+              <a:rPr lang="en-US" dirty="0">
+                <a:solidFill>
+                  <a:schemeClr val="tx1"/>
+                </a:solidFill>
+              </a:rPr>
+              <a:t>Peak Quantization</a:t>
+            </a:r>
+          </a:p>
+          <a:p>
+            <a:pPr marL="800100" lvl="1" indent="-342900" algn="l">
+              <a:buClr>
+                <a:schemeClr val="tx1"/>
+              </a:buClr>
+              <a:buFont typeface="Arial" panose="020B0604020202020204" pitchFamily="34" charset="0"/>
+              <a:buChar char="•"/>
+            </a:pPr>
+            <a:r>
+              <a:rPr lang="en-US" cap="none" dirty="0">
+                <a:solidFill>
+                  <a:schemeClr val="tx1"/>
+                </a:solidFill>
+              </a:rPr>
+              <a:t>Weighted Random Sampling</a:t>
+            </a:r>
+          </a:p>
+          <a:p>
+            <a:pPr marL="342900" indent="-342900">
+              <a:buFont typeface="+mj-lt"/>
+              <a:buAutoNum type="arabicPeriod"/>
+            </a:pPr>
+            <a:endParaRPr lang="en-US" cap="none" dirty="0">
+              <a:solidFill>
+                <a:schemeClr val="tx1"/>
+              </a:solidFill>
+            </a:endParaRPr>
+          </a:p>
+        </p:txBody>
+      </p:sp>
+      <p:sp>
+        <p:nvSpPr>
+          <p:cNvPr id="9" name="Rectangle 8">
+            <a:extLst>
+              <a:ext uri="{FF2B5EF4-FFF2-40B4-BE49-F238E27FC236}">
+                <a16:creationId xmlns:a16="http://schemas.microsoft.com/office/drawing/2014/main" id="{C91B2AEB-9C03-4291-82DB-27D351F311F4}"/>
+              </a:ext>
+              <a:ext uri="{C183D7F6-B498-43B3-948B-1728B52AA6E4}">
+                <adec:decorative xmlns:adec="http://schemas.microsoft.com/office/drawing/2017/decorative" val="1"/>
+              </a:ext>
+            </a:extLst>
+          </p:cNvPr>
+          <p:cNvSpPr>
+            <a:spLocks noGrp="1" noRot="1" noChangeAspect="1" noMove="1" noResize="1" noEditPoints="1" noAdjustHandles="1" noChangeArrowheads="1" noChangeShapeType="1" noTextEdit="1"/>
+          </p:cNvSpPr>
+          <p:nvPr>
+            <p:extLst>
+              <p:ext uri="{386F3935-93C4-4BCD-93E2-E3B085C9AB24}">
+                <p16:designElem xmlns:p16="http://schemas.microsoft.com/office/powerpoint/2015/main" val="1"/>
+              </p:ext>
+            </p:extLst>
+          </p:nvPr>
+        </p:nvSpPr>
+        <p:spPr>
+          <a:xfrm>
+            <a:off x="10437812" y="0"/>
+            <a:ext cx="685800" cy="1143000"/>
+          </a:xfrm>
+          <a:prstGeom prst="rect">
+            <a:avLst/>
+          </a:prstGeom>
+          <a:solidFill>
+            <a:schemeClr val="accent1"/>
+          </a:solidFill>
+          <a:ln>
+            <a:noFill/>
+          </a:ln>
+        </p:spPr>
+        <p:style>
+          <a:lnRef idx="1">
+            <a:schemeClr val="accent1"/>
+          </a:lnRef>
+          <a:fillRef idx="3">
+            <a:schemeClr val="accent1"/>
+          </a:fillRef>
+          <a:effectRef idx="2">
+            <a:schemeClr val="accent1"/>
+          </a:effectRef>
+          <a:fontRef idx="minor">
+            <a:schemeClr val="lt1"/>
+          </a:fontRef>
+        </p:style>
+      </p:sp>
+      <p:pic>
+        <p:nvPicPr>
+          <p:cNvPr id="5" name="Picture 4">
+            <a:extLst>
+              <a:ext uri="{FF2B5EF4-FFF2-40B4-BE49-F238E27FC236}">
+                <a16:creationId xmlns:a16="http://schemas.microsoft.com/office/drawing/2014/main" id="{9AB8A659-7BDF-4769-BF61-FB30455518B2}"/>
+              </a:ext>
+            </a:extLst>
+          </p:cNvPr>
+          <p:cNvPicPr>
+            <a:picLocks noChangeAspect="1"/>
+          </p:cNvPicPr>
+          <p:nvPr/>
+        </p:nvPicPr>
+        <p:blipFill>
+          <a:blip r:embed="rId3"/>
+          <a:stretch>
+            <a:fillRect/>
+          </a:stretch>
+        </p:blipFill>
+        <p:spPr>
+          <a:xfrm>
+            <a:off x="6963275" y="1337045"/>
+            <a:ext cx="3474537" cy="4695320"/>
+          </a:xfrm>
+          <a:prstGeom prst="rect">
+            <a:avLst/>
+          </a:prstGeom>
+        </p:spPr>
+      </p:pic>
+    </p:spTree>
+    <p:extLst>
+      <p:ext uri="{BB962C8B-B14F-4D97-AF65-F5344CB8AC3E}">
+        <p14:creationId xmlns:p14="http://schemas.microsoft.com/office/powerpoint/2010/main" val="3771404049"/>
+      </p:ext>
+    </p:extLst>
+  </p:cSld>
+  <p:clrMapOvr>
+    <a:masterClrMapping/>
+  </p:clrMapOvr>
+</p:sld>
+</file>
+
+<file path=ppt/slides/slide4.xml><?xml version="1.0" encoding="utf-8"?>
+<p:sld xmlns:a="http://schemas.openxmlformats.org/drawingml/2006/main" xmlns:r="http://schemas.openxmlformats.org/officeDocument/2006/relationships" xmlns:p="http://schemas.openxmlformats.org/presentationml/2006/main">
+  <p:cSld>
+    <p:bg>
+      <p:bgPr>
+        <a:blipFill rotWithShape="1">
+          <a:blip r:embed="rId2">
+            <a:duotone>
+              <a:schemeClr val="bg2">
+                <a:shade val="62000"/>
+                <a:hueMod val="108000"/>
+                <a:satMod val="164000"/>
+                <a:lumMod val="69000"/>
+              </a:schemeClr>
+              <a:schemeClr val="bg2">
+                <a:tint val="96000"/>
+                <a:hueMod val="90000"/>
+                <a:satMod val="130000"/>
+                <a:lumMod val="134000"/>
+              </a:schemeClr>
+            </a:duotone>
+            <a:extLst/>
+          </a:blip>
+          <a:stretch/>
+        </a:blipFill>
+        <a:effectLst/>
+      </p:bgPr>
+    </p:bg>
+    <p:spTree>
+      <p:nvGrpSpPr>
+        <p:cNvPr id="1" name=""/>
+        <p:cNvGrpSpPr/>
+        <p:nvPr/>
+      </p:nvGrpSpPr>
+      <p:grpSpPr>
+        <a:xfrm>
+          <a:off x="0" y="0"/>
+          <a:ext cx="0" cy="0"/>
+          <a:chOff x="0" y="0"/>
+          <a:chExt cx="0" cy="0"/>
+        </a:xfrm>
+      </p:grpSpPr>
+      <p:sp>
+        <p:nvSpPr>
+          <p:cNvPr id="2" name="Title 1">
+            <a:extLst>
+              <a:ext uri="{FF2B5EF4-FFF2-40B4-BE49-F238E27FC236}">
+                <a16:creationId xmlns:a16="http://schemas.microsoft.com/office/drawing/2014/main" id="{D443C54C-6DF9-CA4A-958E-308AAB870370}"/>
+              </a:ext>
+            </a:extLst>
+          </p:cNvPr>
+          <p:cNvSpPr>
+            <a:spLocks noGrp="1"/>
+          </p:cNvSpPr>
+          <p:nvPr>
+            <p:ph type="ctrTitle"/>
+          </p:nvPr>
+        </p:nvSpPr>
+        <p:spPr>
+          <a:xfrm>
+            <a:off x="647701" y="571500"/>
+            <a:ext cx="6041857" cy="765545"/>
+          </a:xfrm>
+        </p:spPr>
+        <p:txBody>
+          <a:bodyPr>
+            <a:normAutofit/>
+          </a:bodyPr>
+          <a:lstStyle/>
+          <a:p>
+            <a:r>
+              <a:rPr lang="en-US" sz="4200" dirty="0"/>
+              <a:t>Spectral Classification</a:t>
+            </a:r>
+          </a:p>
+        </p:txBody>
+      </p:sp>
+      <p:sp>
+        <p:nvSpPr>
+          <p:cNvPr id="3" name="Subtitle 2">
+            <a:extLst>
+              <a:ext uri="{FF2B5EF4-FFF2-40B4-BE49-F238E27FC236}">
+                <a16:creationId xmlns:a16="http://schemas.microsoft.com/office/drawing/2014/main" id="{CBB04ED8-73E4-FD41-843B-5F27AD032BF4}"/>
+              </a:ext>
+            </a:extLst>
+          </p:cNvPr>
+          <p:cNvSpPr>
+            <a:spLocks noGrp="1"/>
+          </p:cNvSpPr>
+          <p:nvPr>
+            <p:ph type="subTitle" idx="1"/>
+          </p:nvPr>
+        </p:nvSpPr>
+        <p:spPr>
+          <a:xfrm>
+            <a:off x="401807" y="2912966"/>
+            <a:ext cx="5463005" cy="1920872"/>
+          </a:xfrm>
+        </p:spPr>
+        <p:txBody>
+          <a:bodyPr>
+            <a:normAutofit/>
+          </a:bodyPr>
+          <a:lstStyle/>
+          <a:p>
+            <a:pPr marL="342900" indent="-342900">
+              <a:buClr>
+                <a:schemeClr val="tx1"/>
+              </a:buClr>
+              <a:buFont typeface="Arial" panose="020B0604020202020204" pitchFamily="34" charset="0"/>
+              <a:buChar char="•"/>
+            </a:pPr>
+            <a:r>
+              <a:rPr lang="en-US" cap="none" dirty="0">
+                <a:solidFill>
+                  <a:schemeClr val="tx1"/>
+                </a:solidFill>
+              </a:rPr>
+              <a:t>Spectra placed into one of four classes based on intensity spread</a:t>
+            </a:r>
+          </a:p>
+          <a:p>
+            <a:pPr marL="342900" indent="-342900">
+              <a:buClr>
+                <a:schemeClr val="tx1"/>
+              </a:buClr>
+              <a:buFont typeface="Arial" panose="020B0604020202020204" pitchFamily="34" charset="0"/>
+              <a:buChar char="•"/>
+            </a:pPr>
+            <a:endParaRPr lang="en-US" cap="none" dirty="0">
+              <a:solidFill>
+                <a:schemeClr val="tx1"/>
+              </a:solidFill>
+            </a:endParaRPr>
+          </a:p>
+          <a:p>
+            <a:pPr marL="342900" indent="-342900">
+              <a:buClr>
+                <a:schemeClr val="tx1"/>
+              </a:buClr>
+              <a:buFont typeface="Arial" panose="020B0604020202020204" pitchFamily="34" charset="0"/>
+              <a:buChar char="•"/>
+            </a:pPr>
+            <a:r>
+              <a:rPr lang="en-US" cap="none" dirty="0">
+                <a:solidFill>
+                  <a:schemeClr val="tx1"/>
+                </a:solidFill>
+              </a:rPr>
+              <a:t>Boundaries of classes based on average intensity spread</a:t>
+            </a:r>
+          </a:p>
+          <a:p>
+            <a:pPr marL="342900" indent="-342900">
+              <a:buFont typeface="+mj-lt"/>
+              <a:buAutoNum type="arabicPeriod"/>
+            </a:pPr>
+            <a:endParaRPr lang="en-US" cap="none" dirty="0">
+              <a:solidFill>
+                <a:schemeClr val="tx1"/>
+              </a:solidFill>
+            </a:endParaRPr>
+          </a:p>
+        </p:txBody>
+      </p:sp>
+      <p:sp>
+        <p:nvSpPr>
+          <p:cNvPr id="9" name="Rectangle 8">
+            <a:extLst>
+              <a:ext uri="{FF2B5EF4-FFF2-40B4-BE49-F238E27FC236}">
+                <a16:creationId xmlns:a16="http://schemas.microsoft.com/office/drawing/2014/main" id="{C91B2AEB-9C03-4291-82DB-27D351F311F4}"/>
+              </a:ext>
+              <a:ext uri="{C183D7F6-B498-43B3-948B-1728B52AA6E4}">
+                <adec:decorative xmlns:adec="http://schemas.microsoft.com/office/drawing/2017/decorative" val="1"/>
+              </a:ext>
+            </a:extLst>
+          </p:cNvPr>
+          <p:cNvSpPr>
+            <a:spLocks noGrp="1" noRot="1" noChangeAspect="1" noMove="1" noResize="1" noEditPoints="1" noAdjustHandles="1" noChangeArrowheads="1" noChangeShapeType="1" noTextEdit="1"/>
+          </p:cNvSpPr>
+          <p:nvPr>
+            <p:extLst>
+              <p:ext uri="{386F3935-93C4-4BCD-93E2-E3B085C9AB24}">
+                <p16:designElem xmlns:p16="http://schemas.microsoft.com/office/powerpoint/2015/main" val="1"/>
+              </p:ext>
+            </p:extLst>
+          </p:nvPr>
+        </p:nvSpPr>
+        <p:spPr>
+          <a:xfrm>
+            <a:off x="10437812" y="0"/>
+            <a:ext cx="685800" cy="1143000"/>
+          </a:xfrm>
+          <a:prstGeom prst="rect">
+            <a:avLst/>
+          </a:prstGeom>
+          <a:solidFill>
+            <a:schemeClr val="accent1"/>
+          </a:solidFill>
+          <a:ln>
+            <a:noFill/>
+          </a:ln>
+        </p:spPr>
+        <p:style>
+          <a:lnRef idx="1">
+            <a:schemeClr val="accent1"/>
+          </a:lnRef>
+          <a:fillRef idx="3">
+            <a:schemeClr val="accent1"/>
+          </a:fillRef>
+          <a:effectRef idx="2">
+            <a:schemeClr val="accent1"/>
+          </a:effectRef>
+          <a:fontRef idx="minor">
+            <a:schemeClr val="lt1"/>
+          </a:fontRef>
+        </p:style>
+      </p:sp>
+      <p:pic>
+        <p:nvPicPr>
+          <p:cNvPr id="4" name="Picture 3">
+            <a:extLst>
+              <a:ext uri="{FF2B5EF4-FFF2-40B4-BE49-F238E27FC236}">
+                <a16:creationId xmlns:a16="http://schemas.microsoft.com/office/drawing/2014/main" id="{EC5DFF66-A57A-48FF-800B-3106A58A941C}"/>
+              </a:ext>
+            </a:extLst>
+          </p:cNvPr>
+          <p:cNvPicPr>
+            <a:picLocks noChangeAspect="1"/>
+          </p:cNvPicPr>
+          <p:nvPr/>
+        </p:nvPicPr>
+        <p:blipFill>
+          <a:blip r:embed="rId3"/>
+          <a:stretch>
+            <a:fillRect/>
+          </a:stretch>
+        </p:blipFill>
+        <p:spPr>
+          <a:xfrm>
+            <a:off x="6096000" y="1793170"/>
+            <a:ext cx="5463005" cy="4160465"/>
+          </a:xfrm>
+          <a:prstGeom prst="rect">
+            <a:avLst/>
+          </a:prstGeom>
+        </p:spPr>
+      </p:pic>
+    </p:spTree>
+    <p:extLst>
+      <p:ext uri="{BB962C8B-B14F-4D97-AF65-F5344CB8AC3E}">
+        <p14:creationId xmlns:p14="http://schemas.microsoft.com/office/powerpoint/2010/main" val="855351171"/>
+      </p:ext>
+    </p:extLst>
+  </p:cSld>
+  <p:clrMapOvr>
+    <a:masterClrMapping/>
+  </p:clrMapOvr>
+</p:sld>
+</file>
+
+<file path=ppt/slides/slide5.xml><?xml version="1.0" encoding="utf-8"?>
+<p:sld xmlns:a="http://schemas.openxmlformats.org/drawingml/2006/main" xmlns:r="http://schemas.openxmlformats.org/officeDocument/2006/relationships" xmlns:p="http://schemas.openxmlformats.org/presentationml/2006/main">
+  <p:cSld>
+    <p:bg>
+      <p:bgPr>
+        <a:blipFill rotWithShape="1">
+          <a:blip r:embed="rId2">
+            <a:duotone>
+              <a:schemeClr val="bg2">
+                <a:shade val="62000"/>
+                <a:hueMod val="108000"/>
+                <a:satMod val="164000"/>
+                <a:lumMod val="69000"/>
+              </a:schemeClr>
+              <a:schemeClr val="bg2">
+                <a:tint val="96000"/>
+                <a:hueMod val="90000"/>
+                <a:satMod val="130000"/>
+                <a:lumMod val="134000"/>
+              </a:schemeClr>
+            </a:duotone>
+            <a:extLst/>
+          </a:blip>
+          <a:stretch/>
+        </a:blipFill>
+        <a:effectLst/>
+      </p:bgPr>
+    </p:bg>
+    <p:spTree>
+      <p:nvGrpSpPr>
+        <p:cNvPr id="1" name=""/>
+        <p:cNvGrpSpPr/>
+        <p:nvPr/>
+      </p:nvGrpSpPr>
+      <p:grpSpPr>
+        <a:xfrm>
+          <a:off x="0" y="0"/>
+          <a:ext cx="0" cy="0"/>
+          <a:chOff x="0" y="0"/>
+          <a:chExt cx="0" cy="0"/>
+        </a:xfrm>
+      </p:grpSpPr>
+      <p:sp>
+        <p:nvSpPr>
+          <p:cNvPr id="2" name="Title 1">
+            <a:extLst>
+              <a:ext uri="{FF2B5EF4-FFF2-40B4-BE49-F238E27FC236}">
+                <a16:creationId xmlns:a16="http://schemas.microsoft.com/office/drawing/2014/main" id="{D443C54C-6DF9-CA4A-958E-308AAB870370}"/>
+              </a:ext>
+            </a:extLst>
+          </p:cNvPr>
+          <p:cNvSpPr>
+            <a:spLocks noGrp="1"/>
+          </p:cNvSpPr>
+          <p:nvPr>
+            <p:ph type="ctrTitle"/>
+          </p:nvPr>
+        </p:nvSpPr>
+        <p:spPr>
+          <a:xfrm>
+            <a:off x="647701" y="571500"/>
+            <a:ext cx="6041857" cy="765545"/>
+          </a:xfrm>
+        </p:spPr>
+        <p:txBody>
+          <a:bodyPr>
+            <a:normAutofit/>
+          </a:bodyPr>
+          <a:lstStyle/>
+          <a:p>
+            <a:r>
+              <a:rPr lang="en-US" sz="4200" dirty="0"/>
+              <a:t>Peak Quantization</a:t>
+            </a:r>
+          </a:p>
+        </p:txBody>
+      </p:sp>
+      <p:sp>
+        <p:nvSpPr>
+          <p:cNvPr id="3" name="Subtitle 2">
+            <a:extLst>
+              <a:ext uri="{FF2B5EF4-FFF2-40B4-BE49-F238E27FC236}">
+                <a16:creationId xmlns:a16="http://schemas.microsoft.com/office/drawing/2014/main" id="{CBB04ED8-73E4-FD41-843B-5F27AD032BF4}"/>
+              </a:ext>
+            </a:extLst>
+          </p:cNvPr>
+          <p:cNvSpPr>
+            <a:spLocks noGrp="1"/>
+          </p:cNvSpPr>
+          <p:nvPr>
+            <p:ph type="subTitle" idx="1"/>
+          </p:nvPr>
+        </p:nvSpPr>
+        <p:spPr>
+          <a:xfrm>
+            <a:off x="401806" y="3048277"/>
+            <a:ext cx="5463005" cy="1650245"/>
+          </a:xfrm>
+        </p:spPr>
+        <p:txBody>
+          <a:bodyPr>
+            <a:normAutofit/>
+          </a:bodyPr>
+          <a:lstStyle/>
+          <a:p>
+            <a:pPr marL="342900" indent="-342900">
+              <a:buClr>
+                <a:schemeClr val="tx1"/>
+              </a:buClr>
+              <a:buFont typeface="Arial" panose="020B0604020202020204" pitchFamily="34" charset="0"/>
+              <a:buChar char="•"/>
+            </a:pPr>
+            <a:r>
+              <a:rPr lang="en-US" cap="none" dirty="0">
+                <a:solidFill>
+                  <a:schemeClr val="tx1"/>
+                </a:solidFill>
+              </a:rPr>
+              <a:t>Peaks placed into one of </a:t>
+            </a:r>
+            <a:r>
+              <a:rPr lang="en-US" i="1" cap="none" dirty="0">
+                <a:solidFill>
+                  <a:schemeClr val="tx1"/>
+                </a:solidFill>
+              </a:rPr>
+              <a:t>n </a:t>
+            </a:r>
+            <a:r>
+              <a:rPr lang="en-US" cap="none" dirty="0">
+                <a:solidFill>
+                  <a:schemeClr val="tx1"/>
+                </a:solidFill>
+              </a:rPr>
+              <a:t>levels</a:t>
+            </a:r>
+          </a:p>
+          <a:p>
+            <a:pPr>
+              <a:buClr>
+                <a:schemeClr val="tx1"/>
+              </a:buClr>
+            </a:pPr>
+            <a:endParaRPr lang="en-US" cap="none" dirty="0">
+              <a:solidFill>
+                <a:schemeClr val="tx1"/>
+              </a:solidFill>
+            </a:endParaRPr>
+          </a:p>
+          <a:p>
+            <a:pPr marL="342900" indent="-342900">
+              <a:buClr>
+                <a:schemeClr val="tx1"/>
+              </a:buClr>
+              <a:buFont typeface="Arial" panose="020B0604020202020204" pitchFamily="34" charset="0"/>
+              <a:buChar char="•"/>
+            </a:pPr>
+            <a:r>
+              <a:rPr lang="en-US" cap="none" dirty="0">
+                <a:solidFill>
+                  <a:schemeClr val="tx1"/>
+                </a:solidFill>
+              </a:rPr>
+              <a:t>Boundaries of levels based on average intensity of highest ten peaks</a:t>
+            </a:r>
+          </a:p>
+          <a:p>
+            <a:pPr marL="342900" indent="-342900">
+              <a:buFont typeface="+mj-lt"/>
+              <a:buAutoNum type="arabicPeriod"/>
+            </a:pPr>
+            <a:endParaRPr lang="en-US" cap="none" dirty="0">
+              <a:solidFill>
+                <a:schemeClr val="tx1"/>
+              </a:solidFill>
+            </a:endParaRPr>
+          </a:p>
+        </p:txBody>
+      </p:sp>
+      <p:sp>
+        <p:nvSpPr>
+          <p:cNvPr id="9" name="Rectangle 8">
+            <a:extLst>
+              <a:ext uri="{FF2B5EF4-FFF2-40B4-BE49-F238E27FC236}">
+                <a16:creationId xmlns:a16="http://schemas.microsoft.com/office/drawing/2014/main" id="{C91B2AEB-9C03-4291-82DB-27D351F311F4}"/>
+              </a:ext>
+              <a:ext uri="{C183D7F6-B498-43B3-948B-1728B52AA6E4}">
+                <adec:decorative xmlns:adec="http://schemas.microsoft.com/office/drawing/2017/decorative" val="1"/>
+              </a:ext>
+            </a:extLst>
+          </p:cNvPr>
+          <p:cNvSpPr>
+            <a:spLocks noGrp="1" noRot="1" noChangeAspect="1" noMove="1" noResize="1" noEditPoints="1" noAdjustHandles="1" noChangeArrowheads="1" noChangeShapeType="1" noTextEdit="1"/>
+          </p:cNvSpPr>
+          <p:nvPr>
+            <p:extLst>
+              <p:ext uri="{386F3935-93C4-4BCD-93E2-E3B085C9AB24}">
+                <p16:designElem xmlns:p16="http://schemas.microsoft.com/office/powerpoint/2015/main" val="1"/>
+              </p:ext>
+            </p:extLst>
+          </p:nvPr>
+        </p:nvSpPr>
+        <p:spPr>
+          <a:xfrm>
+            <a:off x="10437812" y="0"/>
+            <a:ext cx="685800" cy="1143000"/>
+          </a:xfrm>
+          <a:prstGeom prst="rect">
+            <a:avLst/>
+          </a:prstGeom>
+          <a:solidFill>
+            <a:schemeClr val="accent1"/>
+          </a:solidFill>
+          <a:ln>
+            <a:noFill/>
+          </a:ln>
+        </p:spPr>
+        <p:style>
+          <a:lnRef idx="1">
+            <a:schemeClr val="accent1"/>
+          </a:lnRef>
+          <a:fillRef idx="3">
+            <a:schemeClr val="accent1"/>
+          </a:fillRef>
+          <a:effectRef idx="2">
+            <a:schemeClr val="accent1"/>
+          </a:effectRef>
+          <a:fontRef idx="minor">
+            <a:schemeClr val="lt1"/>
+          </a:fontRef>
+        </p:style>
+      </p:sp>
+      <p:pic>
+        <p:nvPicPr>
+          <p:cNvPr id="5" name="Picture 4">
+            <a:extLst>
+              <a:ext uri="{FF2B5EF4-FFF2-40B4-BE49-F238E27FC236}">
+                <a16:creationId xmlns:a16="http://schemas.microsoft.com/office/drawing/2014/main" id="{BDC71987-5CF3-4ED5-BE76-B6792B4BAABC}"/>
+              </a:ext>
+            </a:extLst>
+          </p:cNvPr>
+          <p:cNvPicPr>
+            <a:picLocks noChangeAspect="1"/>
+          </p:cNvPicPr>
+          <p:nvPr/>
+        </p:nvPicPr>
+        <p:blipFill>
+          <a:blip r:embed="rId3"/>
+          <a:stretch>
+            <a:fillRect/>
+          </a:stretch>
+        </p:blipFill>
+        <p:spPr>
+          <a:xfrm>
+            <a:off x="6072788" y="2550696"/>
+            <a:ext cx="5418162" cy="2526770"/>
+          </a:xfrm>
+          <a:prstGeom prst="rect">
+            <a:avLst/>
+          </a:prstGeom>
+        </p:spPr>
+      </p:pic>
+    </p:spTree>
+    <p:extLst>
+      <p:ext uri="{BB962C8B-B14F-4D97-AF65-F5344CB8AC3E}">
+        <p14:creationId xmlns:p14="http://schemas.microsoft.com/office/powerpoint/2010/main" val="2455355510"/>
+      </p:ext>
+    </p:extLst>
+  </p:cSld>
+  <p:clrMapOvr>
+    <a:masterClrMapping/>
+  </p:clrMapOvr>
+</p:sld>
+</file>
+
+<file path=ppt/slides/slide6.xml><?xml version="1.0" encoding="utf-8"?>
+<p:sld xmlns:a="http://schemas.openxmlformats.org/drawingml/2006/main" xmlns:r="http://schemas.openxmlformats.org/officeDocument/2006/relationships" xmlns:p="http://schemas.openxmlformats.org/presentationml/2006/main">
+  <p:cSld>
+    <p:bg>
+      <p:bgPr>
+        <a:blipFill rotWithShape="1">
+          <a:blip r:embed="rId2">
+            <a:duotone>
+              <a:schemeClr val="bg2">
+                <a:shade val="62000"/>
+                <a:hueMod val="108000"/>
+                <a:satMod val="164000"/>
+                <a:lumMod val="69000"/>
+              </a:schemeClr>
+              <a:schemeClr val="bg2">
+                <a:tint val="96000"/>
+                <a:hueMod val="90000"/>
+                <a:satMod val="130000"/>
+                <a:lumMod val="134000"/>
+              </a:schemeClr>
+            </a:duotone>
+            <a:extLst/>
+          </a:blip>
+          <a:stretch/>
+        </a:blipFill>
+        <a:effectLst/>
+      </p:bgPr>
+    </p:bg>
+    <p:spTree>
+      <p:nvGrpSpPr>
+        <p:cNvPr id="1" name=""/>
+        <p:cNvGrpSpPr/>
+        <p:nvPr/>
+      </p:nvGrpSpPr>
+      <p:grpSpPr>
+        <a:xfrm>
+          <a:off x="0" y="0"/>
+          <a:ext cx="0" cy="0"/>
+          <a:chOff x="0" y="0"/>
+          <a:chExt cx="0" cy="0"/>
+        </a:xfrm>
+      </p:grpSpPr>
+      <p:sp>
+        <p:nvSpPr>
+          <p:cNvPr id="2" name="Title 1">
+            <a:extLst>
+              <a:ext uri="{FF2B5EF4-FFF2-40B4-BE49-F238E27FC236}">
+                <a16:creationId xmlns:a16="http://schemas.microsoft.com/office/drawing/2014/main" id="{D443C54C-6DF9-CA4A-958E-308AAB870370}"/>
+              </a:ext>
+            </a:extLst>
+          </p:cNvPr>
+          <p:cNvSpPr>
+            <a:spLocks noGrp="1"/>
+          </p:cNvSpPr>
+          <p:nvPr>
+            <p:ph type="ctrTitle"/>
+          </p:nvPr>
+        </p:nvSpPr>
+        <p:spPr>
+          <a:xfrm>
+            <a:off x="647702" y="571500"/>
+            <a:ext cx="7052510" cy="765545"/>
+          </a:xfrm>
+        </p:spPr>
+        <p:txBody>
+          <a:bodyPr>
+            <a:normAutofit/>
+          </a:bodyPr>
+          <a:lstStyle/>
+          <a:p>
+            <a:r>
+              <a:rPr lang="en-US" sz="4200" dirty="0"/>
+              <a:t>Weight Random Sampling</a:t>
+            </a:r>
+          </a:p>
+        </p:txBody>
+      </p:sp>
+      <p:sp>
+        <p:nvSpPr>
+          <p:cNvPr id="3" name="Subtitle 2">
+            <a:extLst>
+              <a:ext uri="{FF2B5EF4-FFF2-40B4-BE49-F238E27FC236}">
+                <a16:creationId xmlns:a16="http://schemas.microsoft.com/office/drawing/2014/main" id="{CBB04ED8-73E4-FD41-843B-5F27AD032BF4}"/>
+              </a:ext>
+            </a:extLst>
+          </p:cNvPr>
+          <p:cNvSpPr>
+            <a:spLocks noGrp="1"/>
+          </p:cNvSpPr>
+          <p:nvPr>
+            <p:ph type="subTitle" idx="1"/>
+          </p:nvPr>
+        </p:nvSpPr>
+        <p:spPr>
+          <a:xfrm>
+            <a:off x="401806" y="2201849"/>
+            <a:ext cx="5463005" cy="3224463"/>
+          </a:xfrm>
+        </p:spPr>
+        <p:txBody>
+          <a:bodyPr>
+            <a:normAutofit/>
+          </a:bodyPr>
+          <a:lstStyle/>
+          <a:p>
+            <a:pPr marL="342900" indent="-342900">
+              <a:buClr>
+                <a:schemeClr val="tx1"/>
+              </a:buClr>
+              <a:buFont typeface="Arial" panose="020B0604020202020204" pitchFamily="34" charset="0"/>
+              <a:buChar char="•"/>
+            </a:pPr>
+            <a:r>
+              <a:rPr lang="en-US" cap="none" dirty="0">
+                <a:solidFill>
+                  <a:schemeClr val="tx1"/>
+                </a:solidFill>
+              </a:rPr>
+              <a:t>Percentage of peaks selected from spectrum</a:t>
+            </a:r>
+          </a:p>
+          <a:p>
+            <a:pPr>
+              <a:buClr>
+                <a:schemeClr val="tx1"/>
+              </a:buClr>
+            </a:pPr>
+            <a:endParaRPr lang="en-US" cap="none" dirty="0">
+              <a:solidFill>
+                <a:schemeClr val="tx1"/>
+              </a:solidFill>
+            </a:endParaRPr>
+          </a:p>
+          <a:p>
+            <a:pPr marL="342900" indent="-342900">
+              <a:buClr>
+                <a:schemeClr val="tx1"/>
+              </a:buClr>
+              <a:buFont typeface="Arial" panose="020B0604020202020204" pitchFamily="34" charset="0"/>
+              <a:buChar char="•"/>
+            </a:pPr>
+            <a:r>
+              <a:rPr lang="en-US" cap="none" dirty="0">
+                <a:solidFill>
+                  <a:schemeClr val="tx1"/>
+                </a:solidFill>
+              </a:rPr>
+              <a:t>Peaks selected from highest quantization level first</a:t>
+            </a:r>
+          </a:p>
+          <a:p>
+            <a:pPr marL="342900" indent="-342900">
+              <a:buClr>
+                <a:schemeClr val="tx1"/>
+              </a:buClr>
+              <a:buFont typeface="Arial" panose="020B0604020202020204" pitchFamily="34" charset="0"/>
+              <a:buChar char="•"/>
+            </a:pPr>
+            <a:endParaRPr lang="en-US" cap="none" dirty="0">
+              <a:solidFill>
+                <a:schemeClr val="tx1"/>
+              </a:solidFill>
+            </a:endParaRPr>
+          </a:p>
+          <a:p>
+            <a:pPr marL="342900" indent="-342900">
+              <a:buClr>
+                <a:schemeClr val="tx1"/>
+              </a:buClr>
+              <a:buFont typeface="Arial" panose="020B0604020202020204" pitchFamily="34" charset="0"/>
+              <a:buChar char="•"/>
+            </a:pPr>
+            <a:r>
+              <a:rPr lang="en-US" cap="none" dirty="0">
+                <a:solidFill>
+                  <a:schemeClr val="tx1"/>
+                </a:solidFill>
+              </a:rPr>
+              <a:t>Result is a partially randomized sample of original spectra</a:t>
+            </a:r>
+          </a:p>
+          <a:p>
+            <a:pPr marL="342900" indent="-342900">
+              <a:buFont typeface="+mj-lt"/>
+              <a:buAutoNum type="arabicPeriod"/>
+            </a:pPr>
+            <a:endParaRPr lang="en-US" cap="none" dirty="0">
+              <a:solidFill>
+                <a:schemeClr val="tx1"/>
+              </a:solidFill>
+            </a:endParaRPr>
+          </a:p>
+        </p:txBody>
+      </p:sp>
+      <p:sp>
+        <p:nvSpPr>
+          <p:cNvPr id="9" name="Rectangle 8">
+            <a:extLst>
+              <a:ext uri="{FF2B5EF4-FFF2-40B4-BE49-F238E27FC236}">
+                <a16:creationId xmlns:a16="http://schemas.microsoft.com/office/drawing/2014/main" id="{C91B2AEB-9C03-4291-82DB-27D351F311F4}"/>
+              </a:ext>
+              <a:ext uri="{C183D7F6-B498-43B3-948B-1728B52AA6E4}">
+                <adec:decorative xmlns:adec="http://schemas.microsoft.com/office/drawing/2017/decorative" val="1"/>
+              </a:ext>
+            </a:extLst>
+          </p:cNvPr>
+          <p:cNvSpPr>
+            <a:spLocks noGrp="1" noRot="1" noChangeAspect="1" noMove="1" noResize="1" noEditPoints="1" noAdjustHandles="1" noChangeArrowheads="1" noChangeShapeType="1" noTextEdit="1"/>
+          </p:cNvSpPr>
+          <p:nvPr>
+            <p:extLst>
+              <p:ext uri="{386F3935-93C4-4BCD-93E2-E3B085C9AB24}">
+                <p16:designElem xmlns:p16="http://schemas.microsoft.com/office/powerpoint/2015/main" val="1"/>
+              </p:ext>
+            </p:extLst>
+          </p:nvPr>
+        </p:nvSpPr>
+        <p:spPr>
+          <a:xfrm>
+            <a:off x="10437812" y="0"/>
+            <a:ext cx="685800" cy="1143000"/>
+          </a:xfrm>
+          <a:prstGeom prst="rect">
+            <a:avLst/>
+          </a:prstGeom>
+          <a:solidFill>
+            <a:schemeClr val="accent1"/>
+          </a:solidFill>
+          <a:ln>
+            <a:noFill/>
+          </a:ln>
+        </p:spPr>
+        <p:style>
+          <a:lnRef idx="1">
+            <a:schemeClr val="accent1"/>
+          </a:lnRef>
+          <a:fillRef idx="3">
+            <a:schemeClr val="accent1"/>
+          </a:fillRef>
+          <a:effectRef idx="2">
+            <a:schemeClr val="accent1"/>
+          </a:effectRef>
+          <a:fontRef idx="minor">
+            <a:schemeClr val="lt1"/>
+          </a:fontRef>
+        </p:style>
+      </p:sp>
+      <p:pic>
+        <p:nvPicPr>
+          <p:cNvPr id="4" name="Picture 3">
+            <a:extLst>
+              <a:ext uri="{FF2B5EF4-FFF2-40B4-BE49-F238E27FC236}">
+                <a16:creationId xmlns:a16="http://schemas.microsoft.com/office/drawing/2014/main" id="{D4721A3D-B45E-42A0-92EB-F482A320AA76}"/>
+              </a:ext>
+            </a:extLst>
+          </p:cNvPr>
+          <p:cNvPicPr>
+            <a:picLocks noChangeAspect="1"/>
+          </p:cNvPicPr>
+          <p:nvPr/>
+        </p:nvPicPr>
+        <p:blipFill>
+          <a:blip r:embed="rId3"/>
+          <a:stretch>
+            <a:fillRect/>
+          </a:stretch>
+        </p:blipFill>
+        <p:spPr>
+          <a:xfrm>
+            <a:off x="6096000" y="2807640"/>
+            <a:ext cx="5682194" cy="2012880"/>
+          </a:xfrm>
+          <a:prstGeom prst="rect">
+            <a:avLst/>
+          </a:prstGeom>
+        </p:spPr>
+      </p:pic>
+    </p:spTree>
+    <p:extLst>
+      <p:ext uri="{BB962C8B-B14F-4D97-AF65-F5344CB8AC3E}">
+        <p14:creationId xmlns:p14="http://schemas.microsoft.com/office/powerpoint/2010/main" val="681595605"/>
+      </p:ext>
+    </p:extLst>
+  </p:cSld>
+  <p:clrMapOvr>
+    <a:masterClrMapping/>
+  </p:clrMapOvr>
+</p:sld>
+</file>
+
+<file path=ppt/slides/slide7.xml><?xml version="1.0" encoding="utf-8"?>
+<p:sld xmlns:a="http://schemas.openxmlformats.org/drawingml/2006/main" xmlns:r="http://schemas.openxmlformats.org/officeDocument/2006/relationships" xmlns:p="http://schemas.openxmlformats.org/presentationml/2006/main">
+  <p:cSld>
+    <p:bg>
+      <p:bgPr>
+        <a:blipFill rotWithShape="1">
+          <a:blip r:embed="rId2">
+            <a:duotone>
+              <a:schemeClr val="bg2">
+                <a:shade val="62000"/>
+                <a:hueMod val="108000"/>
+                <a:satMod val="164000"/>
+                <a:lumMod val="69000"/>
+              </a:schemeClr>
+              <a:schemeClr val="bg2">
+                <a:tint val="96000"/>
+                <a:hueMod val="90000"/>
+                <a:satMod val="130000"/>
+                <a:lumMod val="134000"/>
+              </a:schemeClr>
+            </a:duotone>
+            <a:extLst/>
+          </a:blip>
+          <a:stretch/>
+        </a:blipFill>
+        <a:effectLst/>
+      </p:bgPr>
+    </p:bg>
+    <p:spTree>
+      <p:nvGrpSpPr>
+        <p:cNvPr id="1" name=""/>
+        <p:cNvGrpSpPr/>
+        <p:nvPr/>
+      </p:nvGrpSpPr>
+      <p:grpSpPr>
+        <a:xfrm>
+          <a:off x="0" y="0"/>
+          <a:ext cx="0" cy="0"/>
+          <a:chOff x="0" y="0"/>
+          <a:chExt cx="0" cy="0"/>
+        </a:xfrm>
+      </p:grpSpPr>
+      <p:sp>
+        <p:nvSpPr>
+          <p:cNvPr id="2" name="Title 1">
+            <a:extLst>
+              <a:ext uri="{FF2B5EF4-FFF2-40B4-BE49-F238E27FC236}">
+                <a16:creationId xmlns:a16="http://schemas.microsoft.com/office/drawing/2014/main" id="{D443C54C-6DF9-CA4A-958E-308AAB870370}"/>
+              </a:ext>
+            </a:extLst>
+          </p:cNvPr>
+          <p:cNvSpPr>
+            <a:spLocks noGrp="1"/>
+          </p:cNvSpPr>
+          <p:nvPr>
+            <p:ph type="ctrTitle"/>
+          </p:nvPr>
+        </p:nvSpPr>
+        <p:spPr>
+          <a:xfrm>
+            <a:off x="647702" y="571500"/>
+            <a:ext cx="7052510" cy="765545"/>
+          </a:xfrm>
+        </p:spPr>
+        <p:txBody>
+          <a:bodyPr>
+            <a:normAutofit/>
+          </a:bodyPr>
+          <a:lstStyle/>
+          <a:p>
+            <a:r>
+              <a:rPr lang="en-US" sz="4200" dirty="0"/>
+              <a:t>Generating MS2 Data</a:t>
+            </a:r>
+          </a:p>
+        </p:txBody>
+      </p:sp>
+      <p:sp>
+        <p:nvSpPr>
+          <p:cNvPr id="9" name="Rectangle 8">
+            <a:extLst>
+              <a:ext uri="{FF2B5EF4-FFF2-40B4-BE49-F238E27FC236}">
+                <a16:creationId xmlns:a16="http://schemas.microsoft.com/office/drawing/2014/main" id="{C91B2AEB-9C03-4291-82DB-27D351F311F4}"/>
+              </a:ext>
+              <a:ext uri="{C183D7F6-B498-43B3-948B-1728B52AA6E4}">
+                <adec:decorative xmlns:adec="http://schemas.microsoft.com/office/drawing/2017/decorative" val="1"/>
+              </a:ext>
+            </a:extLst>
+          </p:cNvPr>
+          <p:cNvSpPr>
+            <a:spLocks noGrp="1" noRot="1" noChangeAspect="1" noMove="1" noResize="1" noEditPoints="1" noAdjustHandles="1" noChangeArrowheads="1" noChangeShapeType="1" noTextEdit="1"/>
+          </p:cNvSpPr>
+          <p:nvPr>
+            <p:extLst>
+              <p:ext uri="{386F3935-93C4-4BCD-93E2-E3B085C9AB24}">
+                <p16:designElem xmlns:p16="http://schemas.microsoft.com/office/powerpoint/2015/main" val="1"/>
+              </p:ext>
+            </p:extLst>
+          </p:nvPr>
+        </p:nvSpPr>
+        <p:spPr>
+          <a:xfrm>
+            <a:off x="10437812" y="0"/>
+            <a:ext cx="685800" cy="1143000"/>
+          </a:xfrm>
+          <a:prstGeom prst="rect">
+            <a:avLst/>
+          </a:prstGeom>
+          <a:solidFill>
+            <a:schemeClr val="accent1"/>
+          </a:solidFill>
+          <a:ln>
+            <a:noFill/>
+          </a:ln>
+        </p:spPr>
+        <p:style>
+          <a:lnRef idx="1">
+            <a:schemeClr val="accent1"/>
+          </a:lnRef>
+          <a:fillRef idx="3">
+            <a:schemeClr val="accent1"/>
+          </a:fillRef>
+          <a:effectRef idx="2">
+            <a:schemeClr val="accent1"/>
+          </a:effectRef>
+          <a:fontRef idx="minor">
+            <a:schemeClr val="lt1"/>
+          </a:fontRef>
+        </p:style>
+      </p:sp>
+      <p:pic>
+        <p:nvPicPr>
+          <p:cNvPr id="7" name="Picture 6">
+            <a:extLst>
+              <a:ext uri="{FF2B5EF4-FFF2-40B4-BE49-F238E27FC236}">
+                <a16:creationId xmlns:a16="http://schemas.microsoft.com/office/drawing/2014/main" id="{1023C63A-E3B3-487A-963D-E629E3DD04D2}"/>
+              </a:ext>
+            </a:extLst>
+          </p:cNvPr>
+          <p:cNvPicPr>
+            <a:picLocks noChangeAspect="1"/>
+          </p:cNvPicPr>
+          <p:nvPr/>
+        </p:nvPicPr>
+        <p:blipFill>
+          <a:blip r:embed="rId3"/>
+          <a:stretch>
+            <a:fillRect/>
+          </a:stretch>
+        </p:blipFill>
+        <p:spPr>
+          <a:xfrm>
+            <a:off x="589019" y="1523335"/>
+            <a:ext cx="10955279" cy="4763165"/>
+          </a:xfrm>
+          <a:prstGeom prst="rect">
+            <a:avLst/>
+          </a:prstGeom>
+        </p:spPr>
+      </p:pic>
+    </p:spTree>
+    <p:extLst>
+      <p:ext uri="{BB962C8B-B14F-4D97-AF65-F5344CB8AC3E}">
+        <p14:creationId xmlns:p14="http://schemas.microsoft.com/office/powerpoint/2010/main" val="3819037753"/>
+      </p:ext>
+    </p:extLst>
+  </p:cSld>
+  <p:clrMapOvr>
+    <a:masterClrMapping/>
+  </p:clrMapOvr>
+</p:sld>
+</file>
+
+<file path=ppt/slides/slide8.xml><?xml version="1.0" encoding="utf-8"?>
+<p:sld xmlns:a="http://schemas.openxmlformats.org/drawingml/2006/main" xmlns:r="http://schemas.openxmlformats.org/officeDocument/2006/relationships" xmlns:p="http://schemas.openxmlformats.org/presentationml/2006/main">
+  <p:cSld>
+    <p:bg>
+      <p:bgPr>
+        <a:blipFill rotWithShape="1">
+          <a:blip r:embed="rId2">
+            <a:duotone>
+              <a:schemeClr val="bg2">
+                <a:shade val="62000"/>
+                <a:hueMod val="108000"/>
+                <a:satMod val="164000"/>
+                <a:lumMod val="69000"/>
+              </a:schemeClr>
+              <a:schemeClr val="bg2">
+                <a:tint val="96000"/>
+                <a:hueMod val="90000"/>
+                <a:satMod val="130000"/>
+                <a:lumMod val="134000"/>
+              </a:schemeClr>
+            </a:duotone>
+            <a:extLst/>
+          </a:blip>
+          <a:stretch/>
+        </a:blipFill>
+        <a:effectLst/>
+      </p:bgPr>
+    </p:bg>
+    <p:spTree>
+      <p:nvGrpSpPr>
+        <p:cNvPr id="1" name=""/>
+        <p:cNvGrpSpPr/>
+        <p:nvPr/>
+      </p:nvGrpSpPr>
+      <p:grpSpPr>
+        <a:xfrm>
+          <a:off x="0" y="0"/>
+          <a:ext cx="0" cy="0"/>
+          <a:chOff x="0" y="0"/>
+          <a:chExt cx="0" cy="0"/>
+        </a:xfrm>
+      </p:grpSpPr>
+      <p:sp>
+        <p:nvSpPr>
+          <p:cNvPr id="2" name="Title 1">
+            <a:extLst>
+              <a:ext uri="{FF2B5EF4-FFF2-40B4-BE49-F238E27FC236}">
+                <a16:creationId xmlns:a16="http://schemas.microsoft.com/office/drawing/2014/main" id="{D443C54C-6DF9-CA4A-958E-308AAB870370}"/>
+              </a:ext>
+            </a:extLst>
+          </p:cNvPr>
+          <p:cNvSpPr>
+            <a:spLocks noGrp="1"/>
+          </p:cNvSpPr>
+          <p:nvPr>
+            <p:ph type="ctrTitle"/>
+          </p:nvPr>
+        </p:nvSpPr>
+        <p:spPr>
+          <a:xfrm>
+            <a:off x="647701" y="571500"/>
+            <a:ext cx="7389393" cy="765545"/>
+          </a:xfrm>
+        </p:spPr>
+        <p:txBody>
+          <a:bodyPr>
+            <a:normAutofit/>
+          </a:bodyPr>
+          <a:lstStyle/>
+          <a:p>
+            <a:r>
+              <a:rPr lang="en-US" sz="4200" dirty="0"/>
+              <a:t>Testing the Neural Network</a:t>
+            </a:r>
+          </a:p>
+        </p:txBody>
+      </p:sp>
+      <p:sp>
+        <p:nvSpPr>
+          <p:cNvPr id="3" name="Subtitle 2">
+            <a:extLst>
+              <a:ext uri="{FF2B5EF4-FFF2-40B4-BE49-F238E27FC236}">
+                <a16:creationId xmlns:a16="http://schemas.microsoft.com/office/drawing/2014/main" id="{CBB04ED8-73E4-FD41-843B-5F27AD032BF4}"/>
+              </a:ext>
+            </a:extLst>
+          </p:cNvPr>
+          <p:cNvSpPr>
+            <a:spLocks noGrp="1"/>
+          </p:cNvSpPr>
+          <p:nvPr>
+            <p:ph type="subTitle" idx="1"/>
+          </p:nvPr>
+        </p:nvSpPr>
+        <p:spPr>
+          <a:xfrm>
+            <a:off x="401806" y="1819076"/>
+            <a:ext cx="9383878" cy="765545"/>
+          </a:xfrm>
+        </p:spPr>
+        <p:txBody>
+          <a:bodyPr>
+            <a:normAutofit/>
+          </a:bodyPr>
+          <a:lstStyle/>
+          <a:p>
+            <a:pPr marL="342900" indent="-342900">
+              <a:buClr>
+                <a:schemeClr val="tx1"/>
+              </a:buClr>
+              <a:buFont typeface="Arial" panose="020B0604020202020204" pitchFamily="34" charset="0"/>
+              <a:buChar char="•"/>
+            </a:pPr>
+            <a:r>
+              <a:rPr lang="en-US" cap="none" dirty="0">
+                <a:solidFill>
+                  <a:schemeClr val="tx1"/>
+                </a:solidFill>
+              </a:rPr>
+              <a:t>Performed 32 tests with varying levels of input data, epochs, and layers</a:t>
+            </a:r>
+          </a:p>
+        </p:txBody>
+      </p:sp>
+      <p:sp>
+        <p:nvSpPr>
+          <p:cNvPr id="9" name="Rectangle 8">
+            <a:extLst>
+              <a:ext uri="{FF2B5EF4-FFF2-40B4-BE49-F238E27FC236}">
+                <a16:creationId xmlns:a16="http://schemas.microsoft.com/office/drawing/2014/main" id="{C91B2AEB-9C03-4291-82DB-27D351F311F4}"/>
+              </a:ext>
+              <a:ext uri="{C183D7F6-B498-43B3-948B-1728B52AA6E4}">
+                <adec:decorative xmlns:adec="http://schemas.microsoft.com/office/drawing/2017/decorative" val="1"/>
+              </a:ext>
+            </a:extLst>
+          </p:cNvPr>
+          <p:cNvSpPr>
+            <a:spLocks noGrp="1" noRot="1" noChangeAspect="1" noMove="1" noResize="1" noEditPoints="1" noAdjustHandles="1" noChangeArrowheads="1" noChangeShapeType="1" noTextEdit="1"/>
+          </p:cNvSpPr>
+          <p:nvPr>
+            <p:extLst>
+              <p:ext uri="{386F3935-93C4-4BCD-93E2-E3B085C9AB24}">
+                <p16:designElem xmlns:p16="http://schemas.microsoft.com/office/powerpoint/2015/main" val="1"/>
+              </p:ext>
+            </p:extLst>
+          </p:nvPr>
+        </p:nvSpPr>
+        <p:spPr>
+          <a:xfrm>
+            <a:off x="10437812" y="0"/>
+            <a:ext cx="685800" cy="1143000"/>
+          </a:xfrm>
+          <a:prstGeom prst="rect">
+            <a:avLst/>
+          </a:prstGeom>
+          <a:solidFill>
+            <a:schemeClr val="accent1"/>
+          </a:solidFill>
+          <a:ln>
+            <a:noFill/>
+          </a:ln>
+        </p:spPr>
+        <p:style>
+          <a:lnRef idx="1">
+            <a:schemeClr val="accent1"/>
+          </a:lnRef>
+          <a:fillRef idx="3">
+            <a:schemeClr val="accent1"/>
+          </a:fillRef>
+          <a:effectRef idx="2">
+            <a:schemeClr val="accent1"/>
+          </a:effectRef>
+          <a:fontRef idx="minor">
+            <a:schemeClr val="lt1"/>
+          </a:fontRef>
+        </p:style>
+      </p:sp>
+      <p:pic>
+        <p:nvPicPr>
+          <p:cNvPr id="5" name="Picture 4">
+            <a:extLst>
+              <a:ext uri="{FF2B5EF4-FFF2-40B4-BE49-F238E27FC236}">
+                <a16:creationId xmlns:a16="http://schemas.microsoft.com/office/drawing/2014/main" id="{E3CC4754-5F87-4A2A-9FC0-20BF99D0652E}"/>
+              </a:ext>
+            </a:extLst>
+          </p:cNvPr>
+          <p:cNvPicPr>
+            <a:picLocks noChangeAspect="1"/>
+          </p:cNvPicPr>
+          <p:nvPr/>
+        </p:nvPicPr>
+        <p:blipFill>
+          <a:blip r:embed="rId3"/>
+          <a:stretch>
+            <a:fillRect/>
+          </a:stretch>
+        </p:blipFill>
+        <p:spPr>
+          <a:xfrm>
+            <a:off x="1339029" y="2627880"/>
+            <a:ext cx="4388002" cy="3291002"/>
+          </a:xfrm>
+          <a:prstGeom prst="rect">
+            <a:avLst/>
+          </a:prstGeom>
+        </p:spPr>
+      </p:pic>
+      <p:pic>
+        <p:nvPicPr>
+          <p:cNvPr id="6" name="Picture 5">
+            <a:extLst>
+              <a:ext uri="{FF2B5EF4-FFF2-40B4-BE49-F238E27FC236}">
+                <a16:creationId xmlns:a16="http://schemas.microsoft.com/office/drawing/2014/main" id="{AA99CB94-C4CA-4651-B555-4A0B9D7F3DDE}"/>
+              </a:ext>
+            </a:extLst>
+          </p:cNvPr>
+          <p:cNvPicPr>
+            <a:picLocks noChangeAspect="1"/>
+          </p:cNvPicPr>
+          <p:nvPr/>
+        </p:nvPicPr>
+        <p:blipFill>
+          <a:blip r:embed="rId4"/>
+          <a:stretch>
+            <a:fillRect/>
+          </a:stretch>
+        </p:blipFill>
+        <p:spPr>
+          <a:xfrm>
+            <a:off x="6392711" y="2627881"/>
+            <a:ext cx="4388001" cy="3291001"/>
+          </a:xfrm>
+          <a:prstGeom prst="rect">
+            <a:avLst/>
+          </a:prstGeom>
+        </p:spPr>
+      </p:pic>
+    </p:spTree>
+    <p:extLst>
+      <p:ext uri="{BB962C8B-B14F-4D97-AF65-F5344CB8AC3E}">
+        <p14:creationId xmlns:p14="http://schemas.microsoft.com/office/powerpoint/2010/main" val="3724459292"/>
+      </p:ext>
+    </p:extLst>
+  </p:cSld>
+  <p:clrMapOvr>
+    <a:masterClrMapping/>
+  </p:clrMapOvr>
+</p:sld>
+</file>
+
+<file path=ppt/slides/slide9.xml><?xml version="1.0" encoding="utf-8"?>
+<p:sld xmlns:a="http://schemas.openxmlformats.org/drawingml/2006/main" xmlns:r="http://schemas.openxmlformats.org/officeDocument/2006/relationships" xmlns:p="http://schemas.openxmlformats.org/presentationml/2006/main">
+  <p:cSld>
+    <p:bg>
+      <p:bgPr>
+        <a:blipFill rotWithShape="1">
+          <a:blip r:embed="rId2">
+            <a:duotone>
+              <a:schemeClr val="bg2">
+                <a:shade val="62000"/>
+                <a:hueMod val="108000"/>
+                <a:satMod val="164000"/>
+                <a:lumMod val="69000"/>
+              </a:schemeClr>
+              <a:schemeClr val="bg2">
+                <a:tint val="96000"/>
+                <a:hueMod val="90000"/>
+                <a:satMod val="130000"/>
+                <a:lumMod val="134000"/>
+              </a:schemeClr>
+            </a:duotone>
+            <a:extLst/>
+          </a:blip>
+          <a:stretch/>
+        </a:blipFill>
+        <a:effectLst/>
+      </p:bgPr>
+    </p:bg>
+    <p:spTree>
+      <p:nvGrpSpPr>
+        <p:cNvPr id="1" name=""/>
+        <p:cNvGrpSpPr/>
+        <p:nvPr/>
+      </p:nvGrpSpPr>
+      <p:grpSpPr>
+        <a:xfrm>
+          <a:off x="0" y="0"/>
+          <a:ext cx="0" cy="0"/>
+          <a:chOff x="0" y="0"/>
+          <a:chExt cx="0" cy="0"/>
+        </a:xfrm>
+      </p:grpSpPr>
+      <p:sp>
+        <p:nvSpPr>
+          <p:cNvPr id="2" name="Title 1">
+            <a:extLst>
+              <a:ext uri="{FF2B5EF4-FFF2-40B4-BE49-F238E27FC236}">
+                <a16:creationId xmlns:a16="http://schemas.microsoft.com/office/drawing/2014/main" id="{D443C54C-6DF9-CA4A-958E-308AAB870370}"/>
+              </a:ext>
+            </a:extLst>
+          </p:cNvPr>
+          <p:cNvSpPr>
+            <a:spLocks noGrp="1"/>
+          </p:cNvSpPr>
+          <p:nvPr>
+            <p:ph type="ctrTitle"/>
+          </p:nvPr>
+        </p:nvSpPr>
+        <p:spPr>
+          <a:xfrm>
+            <a:off x="647701" y="571500"/>
+            <a:ext cx="7389393" cy="765545"/>
+          </a:xfrm>
+        </p:spPr>
+        <p:txBody>
+          <a:bodyPr>
+            <a:normAutofit/>
+          </a:bodyPr>
+          <a:lstStyle/>
+          <a:p>
+            <a:r>
+              <a:rPr lang="en-US" sz="4200" dirty="0"/>
+              <a:t>Future Research</a:t>
+            </a:r>
+          </a:p>
+        </p:txBody>
+      </p:sp>
+      <p:sp>
+        <p:nvSpPr>
+          <p:cNvPr id="3" name="Subtitle 2">
+            <a:extLst>
+              <a:ext uri="{FF2B5EF4-FFF2-40B4-BE49-F238E27FC236}">
+                <a16:creationId xmlns:a16="http://schemas.microsoft.com/office/drawing/2014/main" id="{CBB04ED8-73E4-FD41-843B-5F27AD032BF4}"/>
+              </a:ext>
+            </a:extLst>
+          </p:cNvPr>
+          <p:cNvSpPr>
+            <a:spLocks noGrp="1"/>
+          </p:cNvSpPr>
+          <p:nvPr>
+            <p:ph type="subTitle" idx="1"/>
+          </p:nvPr>
+        </p:nvSpPr>
+        <p:spPr>
+          <a:xfrm>
+            <a:off x="401806" y="2523925"/>
+            <a:ext cx="5838573" cy="2464166"/>
+          </a:xfrm>
+        </p:spPr>
+        <p:txBody>
+          <a:bodyPr>
+            <a:normAutofit/>
+          </a:bodyPr>
+          <a:lstStyle/>
+          <a:p>
+            <a:pPr marL="342900" indent="-342900">
+              <a:buClr>
+                <a:schemeClr val="tx1"/>
+              </a:buClr>
+              <a:buFont typeface="Arial" panose="020B0604020202020204" pitchFamily="34" charset="0"/>
+              <a:buChar char="•"/>
+            </a:pPr>
+            <a:r>
+              <a:rPr lang="en-US" cap="none" dirty="0">
+                <a:solidFill>
+                  <a:schemeClr val="tx1"/>
+                </a:solidFill>
+              </a:rPr>
+              <a:t>Performing larger tests</a:t>
+            </a:r>
+          </a:p>
+          <a:p>
+            <a:pPr marL="342900" indent="-342900">
+              <a:buClr>
+                <a:schemeClr val="tx1"/>
+              </a:buClr>
+              <a:buFont typeface="Arial" panose="020B0604020202020204" pitchFamily="34" charset="0"/>
+              <a:buChar char="•"/>
+            </a:pPr>
+            <a:endParaRPr lang="en-US" cap="none" dirty="0">
+              <a:solidFill>
+                <a:schemeClr val="tx1"/>
+              </a:solidFill>
+            </a:endParaRPr>
+          </a:p>
+          <a:p>
+            <a:pPr marL="342900" indent="-342900">
+              <a:buClr>
+                <a:schemeClr val="tx1"/>
+              </a:buClr>
+              <a:buFont typeface="Arial" panose="020B0604020202020204" pitchFamily="34" charset="0"/>
+              <a:buChar char="•"/>
+            </a:pPr>
+            <a:r>
+              <a:rPr lang="en-US" cap="none" dirty="0">
+                <a:solidFill>
+                  <a:schemeClr val="tx1"/>
+                </a:solidFill>
+              </a:rPr>
+              <a:t>Trying other neural network layouts</a:t>
+            </a:r>
+          </a:p>
+          <a:p>
+            <a:pPr marL="342900" indent="-342900">
+              <a:buClr>
+                <a:schemeClr val="tx1"/>
+              </a:buClr>
+              <a:buFont typeface="Arial" panose="020B0604020202020204" pitchFamily="34" charset="0"/>
+              <a:buChar char="•"/>
+            </a:pPr>
+            <a:endParaRPr lang="en-US" cap="none" dirty="0">
+              <a:solidFill>
+                <a:schemeClr val="tx1"/>
+              </a:solidFill>
+            </a:endParaRPr>
+          </a:p>
+          <a:p>
+            <a:pPr marL="342900" indent="-342900">
+              <a:buClr>
+                <a:schemeClr val="tx1"/>
+              </a:buClr>
+              <a:buFont typeface="Arial" panose="020B0604020202020204" pitchFamily="34" charset="0"/>
+              <a:buChar char="•"/>
+            </a:pPr>
+            <a:r>
+              <a:rPr lang="en-US" cap="none" dirty="0">
+                <a:solidFill>
+                  <a:schemeClr val="tx1"/>
+                </a:solidFill>
+              </a:rPr>
+              <a:t>Scaled data representation (peaks range from 0 to 1)</a:t>
+            </a:r>
+          </a:p>
+        </p:txBody>
+      </p:sp>
+      <p:sp>
+        <p:nvSpPr>
+          <p:cNvPr id="9" name="Rectangle 8">
+            <a:extLst>
+              <a:ext uri="{FF2B5EF4-FFF2-40B4-BE49-F238E27FC236}">
+                <a16:creationId xmlns:a16="http://schemas.microsoft.com/office/drawing/2014/main" id="{C91B2AEB-9C03-4291-82DB-27D351F311F4}"/>
+              </a:ext>
+              <a:ext uri="{C183D7F6-B498-43B3-948B-1728B52AA6E4}">
+                <adec:decorative xmlns:adec="http://schemas.microsoft.com/office/drawing/2017/decorative" val="1"/>
+              </a:ext>
+            </a:extLst>
+          </p:cNvPr>
+          <p:cNvSpPr>
+            <a:spLocks noGrp="1" noRot="1" noChangeAspect="1" noMove="1" noResize="1" noEditPoints="1" noAdjustHandles="1" noChangeArrowheads="1" noChangeShapeType="1" noTextEdit="1"/>
+          </p:cNvSpPr>
+          <p:nvPr>
+            <p:extLst>
+              <p:ext uri="{386F3935-93C4-4BCD-93E2-E3B085C9AB24}">
+                <p16:designElem xmlns:p16="http://schemas.microsoft.com/office/powerpoint/2015/main" val="1"/>
+              </p:ext>
+            </p:extLst>
+          </p:nvPr>
+        </p:nvSpPr>
+        <p:spPr>
+          <a:xfrm>
+            <a:off x="10437812" y="0"/>
+            <a:ext cx="685800" cy="1143000"/>
+          </a:xfrm>
+          <a:prstGeom prst="rect">
+            <a:avLst/>
+          </a:prstGeom>
+          <a:solidFill>
+            <a:schemeClr val="accent1"/>
+          </a:solidFill>
+          <a:ln>
+            <a:noFill/>
+          </a:ln>
+        </p:spPr>
+        <p:style>
+          <a:lnRef idx="1">
+            <a:schemeClr val="accent1"/>
+          </a:lnRef>
+          <a:fillRef idx="3">
+            <a:schemeClr val="accent1"/>
+          </a:fillRef>
+          <a:effectRef idx="2">
+            <a:schemeClr val="accent1"/>
+          </a:effectRef>
+          <a:fontRef idx="minor">
+            <a:schemeClr val="lt1"/>
+          </a:fontRef>
+        </p:style>
+      </p:sp>
+      <p:pic>
+        <p:nvPicPr>
+          <p:cNvPr id="4" name="Picture 3">
+            <a:extLst>
+              <a:ext uri="{FF2B5EF4-FFF2-40B4-BE49-F238E27FC236}">
+                <a16:creationId xmlns:a16="http://schemas.microsoft.com/office/drawing/2014/main" id="{C49BECD3-1286-4EC3-8B89-DCE14DBAC5D3}"/>
+              </a:ext>
+            </a:extLst>
+          </p:cNvPr>
+          <p:cNvPicPr>
+            <a:picLocks noChangeAspect="1"/>
+          </p:cNvPicPr>
+          <p:nvPr/>
+        </p:nvPicPr>
+        <p:blipFill>
+          <a:blip r:embed="rId3"/>
+          <a:stretch>
+            <a:fillRect/>
+          </a:stretch>
+        </p:blipFill>
+        <p:spPr>
+          <a:xfrm>
+            <a:off x="6665495" y="1972327"/>
+            <a:ext cx="4756484" cy="3567363"/>
+          </a:xfrm>
+          <a:prstGeom prst="rect">
+            <a:avLst/>
+          </a:prstGeom>
+        </p:spPr>
+      </p:pic>
+    </p:spTree>
+    <p:extLst>
+      <p:ext uri="{BB962C8B-B14F-4D97-AF65-F5344CB8AC3E}">
+        <p14:creationId xmlns:p14="http://schemas.microsoft.com/office/powerpoint/2010/main" val="2045647151"/>
+      </p:ext>
+    </p:extLst>
+  </p:cSld>
+  <p:clrMapOvr>
+    <a:masterClrMapping/>
   </p:clrMapOvr>
 </p:sld>
 </file>

--- a/Group8.pptx
+++ b/Group8.pptx
@@ -304,7 +304,7 @@
           <a:p>
             <a:fld id="{1413064E-06D1-CA46-8C36-21FA595EAC52}" type="datetimeFigureOut">
               <a:rPr lang="en-US" smtClean="0"/>
-              <a:t>4/6/2019</a:t>
+              <a:t>4/11/19</a:t>
             </a:fld>
             <a:endParaRPr lang="en-US"/>
           </a:p>
@@ -579,7 +579,7 @@
           <a:p>
             <a:fld id="{1413064E-06D1-CA46-8C36-21FA595EAC52}" type="datetimeFigureOut">
               <a:rPr lang="en-US" smtClean="0"/>
-              <a:t>4/6/2019</a:t>
+              <a:t>4/11/19</a:t>
             </a:fld>
             <a:endParaRPr lang="en-US"/>
           </a:p>
@@ -773,7 +773,7 @@
           <a:p>
             <a:fld id="{1413064E-06D1-CA46-8C36-21FA595EAC52}" type="datetimeFigureOut">
               <a:rPr lang="en-US" smtClean="0"/>
-              <a:t>4/6/2019</a:t>
+              <a:t>4/11/19</a:t>
             </a:fld>
             <a:endParaRPr lang="en-US"/>
           </a:p>
@@ -1041,7 +1041,7 @@
           <a:p>
             <a:fld id="{1413064E-06D1-CA46-8C36-21FA595EAC52}" type="datetimeFigureOut">
               <a:rPr lang="en-US" smtClean="0"/>
-              <a:t>4/6/2019</a:t>
+              <a:t>4/11/19</a:t>
             </a:fld>
             <a:endParaRPr lang="en-US"/>
           </a:p>
@@ -1373,7 +1373,7 @@
           <a:p>
             <a:fld id="{1413064E-06D1-CA46-8C36-21FA595EAC52}" type="datetimeFigureOut">
               <a:rPr lang="en-US" smtClean="0"/>
-              <a:t>4/6/2019</a:t>
+              <a:t>4/11/19</a:t>
             </a:fld>
             <a:endParaRPr lang="en-US"/>
           </a:p>
@@ -1983,7 +1983,7 @@
           <a:p>
             <a:fld id="{1413064E-06D1-CA46-8C36-21FA595EAC52}" type="datetimeFigureOut">
               <a:rPr lang="en-US" smtClean="0"/>
-              <a:t>4/6/2019</a:t>
+              <a:t>4/11/19</a:t>
             </a:fld>
             <a:endParaRPr lang="en-US"/>
           </a:p>
@@ -2830,7 +2830,7 @@
           <a:p>
             <a:fld id="{1413064E-06D1-CA46-8C36-21FA595EAC52}" type="datetimeFigureOut">
               <a:rPr lang="en-US" smtClean="0"/>
-              <a:t>4/6/2019</a:t>
+              <a:t>4/11/19</a:t>
             </a:fld>
             <a:endParaRPr lang="en-US"/>
           </a:p>
@@ -3000,7 +3000,7 @@
           <a:p>
             <a:fld id="{1413064E-06D1-CA46-8C36-21FA595EAC52}" type="datetimeFigureOut">
               <a:rPr lang="en-US" smtClean="0"/>
-              <a:t>4/6/2019</a:t>
+              <a:t>4/11/19</a:t>
             </a:fld>
             <a:endParaRPr lang="en-US"/>
           </a:p>
@@ -3180,7 +3180,7 @@
           <a:p>
             <a:fld id="{1413064E-06D1-CA46-8C36-21FA595EAC52}" type="datetimeFigureOut">
               <a:rPr lang="en-US" smtClean="0"/>
-              <a:t>4/6/2019</a:t>
+              <a:t>4/11/19</a:t>
             </a:fld>
             <a:endParaRPr lang="en-US"/>
           </a:p>
@@ -3350,7 +3350,7 @@
           <a:p>
             <a:fld id="{1413064E-06D1-CA46-8C36-21FA595EAC52}" type="datetimeFigureOut">
               <a:rPr lang="en-US" smtClean="0"/>
-              <a:t>4/6/2019</a:t>
+              <a:t>4/11/19</a:t>
             </a:fld>
             <a:endParaRPr lang="en-US"/>
           </a:p>
@@ -3594,7 +3594,7 @@
           <a:p>
             <a:fld id="{1413064E-06D1-CA46-8C36-21FA595EAC52}" type="datetimeFigureOut">
               <a:rPr lang="en-US" smtClean="0"/>
-              <a:t>4/6/2019</a:t>
+              <a:t>4/11/19</a:t>
             </a:fld>
             <a:endParaRPr lang="en-US"/>
           </a:p>
@@ -3886,7 +3886,7 @@
           <a:p>
             <a:fld id="{1413064E-06D1-CA46-8C36-21FA595EAC52}" type="datetimeFigureOut">
               <a:rPr lang="en-US" smtClean="0"/>
-              <a:t>4/6/2019</a:t>
+              <a:t>4/11/19</a:t>
             </a:fld>
             <a:endParaRPr lang="en-US"/>
           </a:p>
@@ -4324,7 +4324,7 @@
           <a:p>
             <a:fld id="{1413064E-06D1-CA46-8C36-21FA595EAC52}" type="datetimeFigureOut">
               <a:rPr lang="en-US" smtClean="0"/>
-              <a:t>4/6/2019</a:t>
+              <a:t>4/11/19</a:t>
             </a:fld>
             <a:endParaRPr lang="en-US"/>
           </a:p>
@@ -4442,7 +4442,7 @@
           <a:p>
             <a:fld id="{1413064E-06D1-CA46-8C36-21FA595EAC52}" type="datetimeFigureOut">
               <a:rPr lang="en-US" smtClean="0"/>
-              <a:t>4/6/2019</a:t>
+              <a:t>4/11/19</a:t>
             </a:fld>
             <a:endParaRPr lang="en-US"/>
           </a:p>
@@ -4537,7 +4537,7 @@
           <a:p>
             <a:fld id="{1413064E-06D1-CA46-8C36-21FA595EAC52}" type="datetimeFigureOut">
               <a:rPr lang="en-US" smtClean="0"/>
-              <a:t>4/6/2019</a:t>
+              <a:t>4/11/19</a:t>
             </a:fld>
             <a:endParaRPr lang="en-US"/>
           </a:p>
@@ -4816,7 +4816,7 @@
           <a:p>
             <a:fld id="{1413064E-06D1-CA46-8C36-21FA595EAC52}" type="datetimeFigureOut">
               <a:rPr lang="en-US" smtClean="0"/>
-              <a:t>4/6/2019</a:t>
+              <a:t>4/11/19</a:t>
             </a:fld>
             <a:endParaRPr lang="en-US"/>
           </a:p>
@@ -5091,7 +5091,7 @@
           <a:p>
             <a:fld id="{1413064E-06D1-CA46-8C36-21FA595EAC52}" type="datetimeFigureOut">
               <a:rPr lang="en-US" smtClean="0"/>
-              <a:t>4/6/2019</a:t>
+              <a:t>4/11/19</a:t>
             </a:fld>
             <a:endParaRPr lang="en-US"/>
           </a:p>
@@ -5520,7 +5520,7 @@
           <a:p>
             <a:fld id="{1413064E-06D1-CA46-8C36-21FA595EAC52}" type="datetimeFigureOut">
               <a:rPr lang="en-US" smtClean="0"/>
-              <a:t>4/6/2019</a:t>
+              <a:t>4/11/19</a:t>
             </a:fld>
             <a:endParaRPr lang="en-US"/>
           </a:p>
@@ -6052,7 +6052,7 @@
             <a:pPr algn="ctr"/>
             <a:r>
               <a:rPr lang="en-US" dirty="0"/>
-              <a:t>Mass Spectrum Protein Matching with Neural Networks</a:t>
+              <a:t>Mass Spectrum Noise Reduction with Neural Networks</a:t>
             </a:r>
           </a:p>
         </p:txBody>
